--- a/classes/Phys9b18/downloads/Motion along a straight line.pptx
+++ b/classes/Phys9b18/downloads/Motion along a straight line.pptx
@@ -12,20 +12,21 @@
     <p:sldId id="260" r:id="rId6"/>
     <p:sldId id="264" r:id="rId7"/>
     <p:sldId id="261" r:id="rId8"/>
-    <p:sldId id="262" r:id="rId9"/>
-    <p:sldId id="263" r:id="rId10"/>
-    <p:sldId id="268" r:id="rId11"/>
-    <p:sldId id="269" r:id="rId12"/>
-    <p:sldId id="267" r:id="rId13"/>
-    <p:sldId id="270" r:id="rId14"/>
-    <p:sldId id="271" r:id="rId15"/>
-    <p:sldId id="275" r:id="rId16"/>
-    <p:sldId id="276" r:id="rId17"/>
-    <p:sldId id="272" r:id="rId18"/>
-    <p:sldId id="273" r:id="rId19"/>
-    <p:sldId id="274" r:id="rId20"/>
-    <p:sldId id="265" r:id="rId21"/>
-    <p:sldId id="266" r:id="rId22"/>
+    <p:sldId id="277" r:id="rId9"/>
+    <p:sldId id="262" r:id="rId10"/>
+    <p:sldId id="263" r:id="rId11"/>
+    <p:sldId id="268" r:id="rId12"/>
+    <p:sldId id="269" r:id="rId13"/>
+    <p:sldId id="267" r:id="rId14"/>
+    <p:sldId id="270" r:id="rId15"/>
+    <p:sldId id="271" r:id="rId16"/>
+    <p:sldId id="275" r:id="rId17"/>
+    <p:sldId id="276" r:id="rId18"/>
+    <p:sldId id="272" r:id="rId19"/>
+    <p:sldId id="273" r:id="rId20"/>
+    <p:sldId id="274" r:id="rId21"/>
+    <p:sldId id="265" r:id="rId22"/>
+    <p:sldId id="266" r:id="rId23"/>
   </p:sldIdLst>
   <p:sldSz cx="12192000" cy="6858000"/>
   <p:notesSz cx="6858000" cy="9144000"/>
@@ -1999,7 +2000,7 @@
           <a:p>
             <a:fld id="{F193ED4C-AB90-4965-BF4C-0A05FFF648C2}" type="datetimeFigureOut">
               <a:rPr lang="en-US" smtClean="0"/>
-              <a:t>9/5/2018</a:t>
+              <a:t>9/14/2018</a:t>
             </a:fld>
             <a:endParaRPr lang="en-US"/>
           </a:p>
@@ -2169,7 +2170,7 @@
           <a:p>
             <a:fld id="{F193ED4C-AB90-4965-BF4C-0A05FFF648C2}" type="datetimeFigureOut">
               <a:rPr lang="en-US" smtClean="0"/>
-              <a:t>9/5/2018</a:t>
+              <a:t>9/14/2018</a:t>
             </a:fld>
             <a:endParaRPr lang="en-US"/>
           </a:p>
@@ -2349,7 +2350,7 @@
           <a:p>
             <a:fld id="{F193ED4C-AB90-4965-BF4C-0A05FFF648C2}" type="datetimeFigureOut">
               <a:rPr lang="en-US" smtClean="0"/>
-              <a:t>9/5/2018</a:t>
+              <a:t>9/14/2018</a:t>
             </a:fld>
             <a:endParaRPr lang="en-US"/>
           </a:p>
@@ -2519,7 +2520,7 @@
           <a:p>
             <a:fld id="{F193ED4C-AB90-4965-BF4C-0A05FFF648C2}" type="datetimeFigureOut">
               <a:rPr lang="en-US" smtClean="0"/>
-              <a:t>9/5/2018</a:t>
+              <a:t>9/14/2018</a:t>
             </a:fld>
             <a:endParaRPr lang="en-US"/>
           </a:p>
@@ -2765,7 +2766,7 @@
           <a:p>
             <a:fld id="{F193ED4C-AB90-4965-BF4C-0A05FFF648C2}" type="datetimeFigureOut">
               <a:rPr lang="en-US" smtClean="0"/>
-              <a:t>9/5/2018</a:t>
+              <a:t>9/14/2018</a:t>
             </a:fld>
             <a:endParaRPr lang="en-US"/>
           </a:p>
@@ -2997,7 +2998,7 @@
           <a:p>
             <a:fld id="{F193ED4C-AB90-4965-BF4C-0A05FFF648C2}" type="datetimeFigureOut">
               <a:rPr lang="en-US" smtClean="0"/>
-              <a:t>9/5/2018</a:t>
+              <a:t>9/14/2018</a:t>
             </a:fld>
             <a:endParaRPr lang="en-US"/>
           </a:p>
@@ -3364,7 +3365,7 @@
           <a:p>
             <a:fld id="{F193ED4C-AB90-4965-BF4C-0A05FFF648C2}" type="datetimeFigureOut">
               <a:rPr lang="en-US" smtClean="0"/>
-              <a:t>9/5/2018</a:t>
+              <a:t>9/14/2018</a:t>
             </a:fld>
             <a:endParaRPr lang="en-US"/>
           </a:p>
@@ -3482,7 +3483,7 @@
           <a:p>
             <a:fld id="{F193ED4C-AB90-4965-BF4C-0A05FFF648C2}" type="datetimeFigureOut">
               <a:rPr lang="en-US" smtClean="0"/>
-              <a:t>9/5/2018</a:t>
+              <a:t>9/14/2018</a:t>
             </a:fld>
             <a:endParaRPr lang="en-US"/>
           </a:p>
@@ -3577,7 +3578,7 @@
           <a:p>
             <a:fld id="{F193ED4C-AB90-4965-BF4C-0A05FFF648C2}" type="datetimeFigureOut">
               <a:rPr lang="en-US" smtClean="0"/>
-              <a:t>9/5/2018</a:t>
+              <a:t>9/14/2018</a:t>
             </a:fld>
             <a:endParaRPr lang="en-US"/>
           </a:p>
@@ -3854,7 +3855,7 @@
           <a:p>
             <a:fld id="{F193ED4C-AB90-4965-BF4C-0A05FFF648C2}" type="datetimeFigureOut">
               <a:rPr lang="en-US" smtClean="0"/>
-              <a:t>9/5/2018</a:t>
+              <a:t>9/14/2018</a:t>
             </a:fld>
             <a:endParaRPr lang="en-US"/>
           </a:p>
@@ -4107,7 +4108,7 @@
           <a:p>
             <a:fld id="{F193ED4C-AB90-4965-BF4C-0A05FFF648C2}" type="datetimeFigureOut">
               <a:rPr lang="en-US" smtClean="0"/>
-              <a:t>9/5/2018</a:t>
+              <a:t>9/14/2018</a:t>
             </a:fld>
             <a:endParaRPr lang="en-US"/>
           </a:p>
@@ -4320,7 +4321,7 @@
           <a:p>
             <a:fld id="{F193ED4C-AB90-4965-BF4C-0A05FFF648C2}" type="datetimeFigureOut">
               <a:rPr lang="en-US" smtClean="0"/>
-              <a:t>9/5/2018</a:t>
+              <a:t>9/14/2018</a:t>
             </a:fld>
             <a:endParaRPr lang="en-US"/>
           </a:p>
@@ -4806,6 +4807,507 @@
       </p:grpSpPr>
       <p:sp>
         <p:nvSpPr>
+          <p:cNvPr id="5" name="Title 4"/>
+          <p:cNvSpPr>
+            <a:spLocks noGrp="1"/>
+          </p:cNvSpPr>
+          <p:nvPr>
+            <p:ph type="title"/>
+          </p:nvPr>
+        </p:nvSpPr>
+        <p:spPr/>
+        <p:txBody>
+          <a:bodyPr/>
+          <a:lstStyle/>
+          <a:p>
+            <a:r>
+              <a:rPr lang="en-US" dirty="0"/>
+              <a:t>Distance-time graph</a:t>
+            </a:r>
+          </a:p>
+        </p:txBody>
+      </p:sp>
+      <p:sp>
+        <p:nvSpPr>
+          <p:cNvPr id="6" name="Text Placeholder 5"/>
+          <p:cNvSpPr>
+            <a:spLocks noGrp="1"/>
+          </p:cNvSpPr>
+          <p:nvPr>
+            <p:ph type="body" idx="1"/>
+          </p:nvPr>
+        </p:nvSpPr>
+        <p:spPr/>
+        <p:txBody>
+          <a:bodyPr/>
+          <a:lstStyle/>
+          <a:p>
+            <a:r>
+              <a:rPr lang="en-US" dirty="0">
+                <a:solidFill>
+                  <a:srgbClr val="FF0000"/>
+                </a:solidFill>
+              </a:rPr>
+              <a:t>The slope of the graph is equal to the speed of the object.</a:t>
+            </a:r>
+          </a:p>
+        </p:txBody>
+      </p:sp>
+      <p:pic>
+        <p:nvPicPr>
+          <p:cNvPr id="10" name="Content Placeholder 9"/>
+          <p:cNvPicPr>
+            <a:picLocks noGrp="1" noChangeAspect="1"/>
+          </p:cNvPicPr>
+          <p:nvPr>
+            <p:ph sz="half" idx="2"/>
+          </p:nvPr>
+        </p:nvPicPr>
+        <p:blipFill>
+          <a:blip r:embed="rId2">
+            <a:extLst>
+              <a:ext uri="{28A0092B-C50C-407E-A947-70E740481C1C}">
+                <a14:useLocalDpi xmlns:a14="http://schemas.microsoft.com/office/drawing/2010/main" val="0"/>
+              </a:ext>
+            </a:extLst>
+          </a:blip>
+          <a:stretch>
+            <a:fillRect/>
+          </a:stretch>
+        </p:blipFill>
+        <p:spPr>
+          <a:xfrm>
+            <a:off x="2175086" y="3166075"/>
+            <a:ext cx="3135804" cy="2936146"/>
+          </a:xfrm>
+        </p:spPr>
+      </p:pic>
+      <p:sp>
+        <p:nvSpPr>
+          <p:cNvPr id="8" name="Text Placeholder 7"/>
+          <p:cNvSpPr>
+            <a:spLocks noGrp="1"/>
+          </p:cNvSpPr>
+          <p:nvPr>
+            <p:ph type="body" sz="quarter" idx="3"/>
+          </p:nvPr>
+        </p:nvSpPr>
+        <p:spPr/>
+        <p:txBody>
+          <a:bodyPr/>
+          <a:lstStyle/>
+          <a:p>
+            <a:endParaRPr lang="en-US"/>
+          </a:p>
+        </p:txBody>
+      </p:sp>
+      <p:pic>
+        <p:nvPicPr>
+          <p:cNvPr id="11" name="Content Placeholder 10"/>
+          <p:cNvPicPr>
+            <a:picLocks noGrp="1" noChangeAspect="1"/>
+          </p:cNvPicPr>
+          <p:nvPr>
+            <p:ph sz="quarter" idx="4"/>
+          </p:nvPr>
+        </p:nvPicPr>
+        <p:blipFill>
+          <a:blip r:embed="rId3" cstate="print">
+            <a:extLst>
+              <a:ext uri="{28A0092B-C50C-407E-A947-70E740481C1C}">
+                <a14:useLocalDpi xmlns:a14="http://schemas.microsoft.com/office/drawing/2010/main" val="0"/>
+              </a:ext>
+            </a:extLst>
+          </a:blip>
+          <a:stretch>
+            <a:fillRect/>
+          </a:stretch>
+        </p:blipFill>
+        <p:spPr>
+          <a:xfrm>
+            <a:off x="7071891" y="2505075"/>
+            <a:ext cx="3383805" cy="3684588"/>
+          </a:xfrm>
+        </p:spPr>
+      </p:pic>
+    </p:spTree>
+    <p:extLst>
+      <p:ext uri="{BB962C8B-B14F-4D97-AF65-F5344CB8AC3E}">
+        <p14:creationId xmlns:p14="http://schemas.microsoft.com/office/powerpoint/2010/main" val="1620596645"/>
+      </p:ext>
+    </p:extLst>
+  </p:cSld>
+  <p:clrMapOvr>
+    <a:masterClrMapping/>
+  </p:clrMapOvr>
+  <p:timing>
+    <p:tnLst>
+      <p:par>
+        <p:cTn id="1" dur="indefinite" restart="never" nodeType="tmRoot">
+          <p:childTnLst>
+            <p:seq concurrent="1" nextAc="seek">
+              <p:cTn id="2" dur="indefinite" nodeType="mainSeq">
+                <p:childTnLst>
+                  <p:par>
+                    <p:cTn id="3" fill="hold">
+                      <p:stCondLst>
+                        <p:cond delay="indefinite"/>
+                      </p:stCondLst>
+                      <p:childTnLst>
+                        <p:par>
+                          <p:cTn id="4" fill="hold">
+                            <p:stCondLst>
+                              <p:cond delay="0"/>
+                            </p:stCondLst>
+                            <p:childTnLst>
+                              <p:par>
+                                <p:cTn id="5" presetID="42" presetClass="entr" presetSubtype="0" fill="hold" nodeType="clickEffect">
+                                  <p:stCondLst>
+                                    <p:cond delay="0"/>
+                                  </p:stCondLst>
+                                  <p:childTnLst>
+                                    <p:set>
+                                      <p:cBhvr>
+                                        <p:cTn id="6" dur="1" fill="hold">
+                                          <p:stCondLst>
+                                            <p:cond delay="0"/>
+                                          </p:stCondLst>
+                                        </p:cTn>
+                                        <p:tgtEl>
+                                          <p:spTgt spid="10"/>
+                                        </p:tgtEl>
+                                        <p:attrNameLst>
+                                          <p:attrName>style.visibility</p:attrName>
+                                        </p:attrNameLst>
+                                      </p:cBhvr>
+                                      <p:to>
+                                        <p:strVal val="visible"/>
+                                      </p:to>
+                                    </p:set>
+                                    <p:animEffect transition="in" filter="fade">
+                                      <p:cBhvr>
+                                        <p:cTn id="7" dur="1000"/>
+                                        <p:tgtEl>
+                                          <p:spTgt spid="10"/>
+                                        </p:tgtEl>
+                                      </p:cBhvr>
+                                    </p:animEffect>
+                                    <p:anim calcmode="lin" valueType="num">
+                                      <p:cBhvr>
+                                        <p:cTn id="8" dur="1000" fill="hold"/>
+                                        <p:tgtEl>
+                                          <p:spTgt spid="10"/>
+                                        </p:tgtEl>
+                                        <p:attrNameLst>
+                                          <p:attrName>ppt_x</p:attrName>
+                                        </p:attrNameLst>
+                                      </p:cBhvr>
+                                      <p:tavLst>
+                                        <p:tav tm="0">
+                                          <p:val>
+                                            <p:strVal val="#ppt_x"/>
+                                          </p:val>
+                                        </p:tav>
+                                        <p:tav tm="100000">
+                                          <p:val>
+                                            <p:strVal val="#ppt_x"/>
+                                          </p:val>
+                                        </p:tav>
+                                      </p:tavLst>
+                                    </p:anim>
+                                    <p:anim calcmode="lin" valueType="num">
+                                      <p:cBhvr>
+                                        <p:cTn id="9" dur="1000" fill="hold"/>
+                                        <p:tgtEl>
+                                          <p:spTgt spid="10"/>
+                                        </p:tgtEl>
+                                        <p:attrNameLst>
+                                          <p:attrName>ppt_y</p:attrName>
+                                        </p:attrNameLst>
+                                      </p:cBhvr>
+                                      <p:tavLst>
+                                        <p:tav tm="0">
+                                          <p:val>
+                                            <p:strVal val="#ppt_y+.1"/>
+                                          </p:val>
+                                        </p:tav>
+                                        <p:tav tm="100000">
+                                          <p:val>
+                                            <p:strVal val="#ppt_y"/>
+                                          </p:val>
+                                        </p:tav>
+                                      </p:tavLst>
+                                    </p:anim>
+                                  </p:childTnLst>
+                                </p:cTn>
+                              </p:par>
+                            </p:childTnLst>
+                          </p:cTn>
+                        </p:par>
+                      </p:childTnLst>
+                    </p:cTn>
+                  </p:par>
+                  <p:par>
+                    <p:cTn id="10" fill="hold">
+                      <p:stCondLst>
+                        <p:cond delay="indefinite"/>
+                      </p:stCondLst>
+                      <p:childTnLst>
+                        <p:par>
+                          <p:cTn id="11" fill="hold">
+                            <p:stCondLst>
+                              <p:cond delay="0"/>
+                            </p:stCondLst>
+                            <p:childTnLst>
+                              <p:par>
+                                <p:cTn id="12" presetID="42" presetClass="entr" presetSubtype="0" fill="hold" grpId="0" nodeType="clickEffect">
+                                  <p:stCondLst>
+                                    <p:cond delay="0"/>
+                                  </p:stCondLst>
+                                  <p:childTnLst>
+                                    <p:set>
+                                      <p:cBhvr>
+                                        <p:cTn id="13" dur="1" fill="hold">
+                                          <p:stCondLst>
+                                            <p:cond delay="0"/>
+                                          </p:stCondLst>
+                                        </p:cTn>
+                                        <p:tgtEl>
+                                          <p:spTgt spid="6">
+                                            <p:txEl>
+                                              <p:pRg st="0" end="0"/>
+                                            </p:txEl>
+                                          </p:spTgt>
+                                        </p:tgtEl>
+                                        <p:attrNameLst>
+                                          <p:attrName>style.visibility</p:attrName>
+                                        </p:attrNameLst>
+                                      </p:cBhvr>
+                                      <p:to>
+                                        <p:strVal val="visible"/>
+                                      </p:to>
+                                    </p:set>
+                                    <p:animEffect transition="in" filter="fade">
+                                      <p:cBhvr>
+                                        <p:cTn id="14" dur="1000"/>
+                                        <p:tgtEl>
+                                          <p:spTgt spid="6">
+                                            <p:txEl>
+                                              <p:pRg st="0" end="0"/>
+                                            </p:txEl>
+                                          </p:spTgt>
+                                        </p:tgtEl>
+                                      </p:cBhvr>
+                                    </p:animEffect>
+                                    <p:anim calcmode="lin" valueType="num">
+                                      <p:cBhvr>
+                                        <p:cTn id="15" dur="1000" fill="hold"/>
+                                        <p:tgtEl>
+                                          <p:spTgt spid="6">
+                                            <p:txEl>
+                                              <p:pRg st="0" end="0"/>
+                                            </p:txEl>
+                                          </p:spTgt>
+                                        </p:tgtEl>
+                                        <p:attrNameLst>
+                                          <p:attrName>ppt_x</p:attrName>
+                                        </p:attrNameLst>
+                                      </p:cBhvr>
+                                      <p:tavLst>
+                                        <p:tav tm="0">
+                                          <p:val>
+                                            <p:strVal val="#ppt_x"/>
+                                          </p:val>
+                                        </p:tav>
+                                        <p:tav tm="100000">
+                                          <p:val>
+                                            <p:strVal val="#ppt_x"/>
+                                          </p:val>
+                                        </p:tav>
+                                      </p:tavLst>
+                                    </p:anim>
+                                    <p:anim calcmode="lin" valueType="num">
+                                      <p:cBhvr>
+                                        <p:cTn id="16" dur="1000" fill="hold"/>
+                                        <p:tgtEl>
+                                          <p:spTgt spid="6">
+                                            <p:txEl>
+                                              <p:pRg st="0" end="0"/>
+                                            </p:txEl>
+                                          </p:spTgt>
+                                        </p:tgtEl>
+                                        <p:attrNameLst>
+                                          <p:attrName>ppt_y</p:attrName>
+                                        </p:attrNameLst>
+                                      </p:cBhvr>
+                                      <p:tavLst>
+                                        <p:tav tm="0">
+                                          <p:val>
+                                            <p:strVal val="#ppt_y+.1"/>
+                                          </p:val>
+                                        </p:tav>
+                                        <p:tav tm="100000">
+                                          <p:val>
+                                            <p:strVal val="#ppt_y"/>
+                                          </p:val>
+                                        </p:tav>
+                                      </p:tavLst>
+                                    </p:anim>
+                                  </p:childTnLst>
+                                </p:cTn>
+                              </p:par>
+                            </p:childTnLst>
+                          </p:cTn>
+                        </p:par>
+                      </p:childTnLst>
+                    </p:cTn>
+                  </p:par>
+                  <p:par>
+                    <p:cTn id="17" fill="hold">
+                      <p:stCondLst>
+                        <p:cond delay="indefinite"/>
+                      </p:stCondLst>
+                      <p:childTnLst>
+                        <p:par>
+                          <p:cTn id="18" fill="hold">
+                            <p:stCondLst>
+                              <p:cond delay="0"/>
+                            </p:stCondLst>
+                            <p:childTnLst>
+                              <p:par>
+                                <p:cTn id="19" presetID="42" presetClass="entr" presetSubtype="0" fill="hold" nodeType="clickEffect">
+                                  <p:stCondLst>
+                                    <p:cond delay="0"/>
+                                  </p:stCondLst>
+                                  <p:childTnLst>
+                                    <p:set>
+                                      <p:cBhvr>
+                                        <p:cTn id="20" dur="1" fill="hold">
+                                          <p:stCondLst>
+                                            <p:cond delay="0"/>
+                                          </p:stCondLst>
+                                        </p:cTn>
+                                        <p:tgtEl>
+                                          <p:spTgt spid="11"/>
+                                        </p:tgtEl>
+                                        <p:attrNameLst>
+                                          <p:attrName>style.visibility</p:attrName>
+                                        </p:attrNameLst>
+                                      </p:cBhvr>
+                                      <p:to>
+                                        <p:strVal val="visible"/>
+                                      </p:to>
+                                    </p:set>
+                                    <p:animEffect transition="in" filter="fade">
+                                      <p:cBhvr>
+                                        <p:cTn id="21" dur="1000"/>
+                                        <p:tgtEl>
+                                          <p:spTgt spid="11"/>
+                                        </p:tgtEl>
+                                      </p:cBhvr>
+                                    </p:animEffect>
+                                    <p:anim calcmode="lin" valueType="num">
+                                      <p:cBhvr>
+                                        <p:cTn id="22" dur="1000" fill="hold"/>
+                                        <p:tgtEl>
+                                          <p:spTgt spid="11"/>
+                                        </p:tgtEl>
+                                        <p:attrNameLst>
+                                          <p:attrName>ppt_x</p:attrName>
+                                        </p:attrNameLst>
+                                      </p:cBhvr>
+                                      <p:tavLst>
+                                        <p:tav tm="0">
+                                          <p:val>
+                                            <p:strVal val="#ppt_x"/>
+                                          </p:val>
+                                        </p:tav>
+                                        <p:tav tm="100000">
+                                          <p:val>
+                                            <p:strVal val="#ppt_x"/>
+                                          </p:val>
+                                        </p:tav>
+                                      </p:tavLst>
+                                    </p:anim>
+                                    <p:anim calcmode="lin" valueType="num">
+                                      <p:cBhvr>
+                                        <p:cTn id="23" dur="1000" fill="hold"/>
+                                        <p:tgtEl>
+                                          <p:spTgt spid="11"/>
+                                        </p:tgtEl>
+                                        <p:attrNameLst>
+                                          <p:attrName>ppt_y</p:attrName>
+                                        </p:attrNameLst>
+                                      </p:cBhvr>
+                                      <p:tavLst>
+                                        <p:tav tm="0">
+                                          <p:val>
+                                            <p:strVal val="#ppt_y+.1"/>
+                                          </p:val>
+                                        </p:tav>
+                                        <p:tav tm="100000">
+                                          <p:val>
+                                            <p:strVal val="#ppt_y"/>
+                                          </p:val>
+                                        </p:tav>
+                                      </p:tavLst>
+                                    </p:anim>
+                                  </p:childTnLst>
+                                </p:cTn>
+                              </p:par>
+                            </p:childTnLst>
+                          </p:cTn>
+                        </p:par>
+                      </p:childTnLst>
+                    </p:cTn>
+                  </p:par>
+                </p:childTnLst>
+              </p:cTn>
+              <p:prevCondLst>
+                <p:cond evt="onPrev" delay="0">
+                  <p:tgtEl>
+                    <p:sldTgt/>
+                  </p:tgtEl>
+                </p:cond>
+              </p:prevCondLst>
+              <p:nextCondLst>
+                <p:cond evt="onNext" delay="0">
+                  <p:tgtEl>
+                    <p:sldTgt/>
+                  </p:tgtEl>
+                </p:cond>
+              </p:nextCondLst>
+            </p:seq>
+          </p:childTnLst>
+        </p:cTn>
+      </p:par>
+    </p:tnLst>
+    <p:bldLst>
+      <p:bldP spid="6" grpId="0" build="p"/>
+    </p:bldLst>
+  </p:timing>
+</p:sld>
+</file>
+
+<file path=ppt/slides/slide11.xml><?xml version="1.0" encoding="utf-8"?>
+<p:sld xmlns:a="http://schemas.openxmlformats.org/drawingml/2006/main" xmlns:r="http://schemas.openxmlformats.org/officeDocument/2006/relationships" xmlns:p="http://schemas.openxmlformats.org/presentationml/2006/main">
+  <p:cSld>
+    <p:spTree>
+      <p:nvGrpSpPr>
+        <p:cNvPr id="1" name=""/>
+        <p:cNvGrpSpPr/>
+        <p:nvPr/>
+      </p:nvGrpSpPr>
+      <p:grpSpPr>
+        <a:xfrm>
+          <a:off x="0" y="0"/>
+          <a:ext cx="0" cy="0"/>
+          <a:chOff x="0" y="0"/>
+          <a:chExt cx="0" cy="0"/>
+        </a:xfrm>
+      </p:grpSpPr>
+      <p:sp>
+        <p:nvSpPr>
           <p:cNvPr id="2" name="Title 1"/>
           <p:cNvSpPr>
             <a:spLocks noGrp="1"/>
@@ -5622,7 +6124,7 @@
 </p:sld>
 </file>
 
-<file path=ppt/slides/slide11.xml><?xml version="1.0" encoding="utf-8"?>
+<file path=ppt/slides/slide12.xml><?xml version="1.0" encoding="utf-8"?>
 <p:sld xmlns:a="http://schemas.openxmlformats.org/drawingml/2006/main" xmlns:r="http://schemas.openxmlformats.org/officeDocument/2006/relationships" xmlns:p="http://schemas.openxmlformats.org/presentationml/2006/main">
   <p:cSld>
     <p:spTree>
@@ -6333,7 +6835,7 @@
 </p:sld>
 </file>
 
-<file path=ppt/slides/slide12.xml><?xml version="1.0" encoding="utf-8"?>
+<file path=ppt/slides/slide13.xml><?xml version="1.0" encoding="utf-8"?>
 <p:sld xmlns:a="http://schemas.openxmlformats.org/drawingml/2006/main" xmlns:r="http://schemas.openxmlformats.org/officeDocument/2006/relationships" xmlns:p="http://schemas.openxmlformats.org/presentationml/2006/main">
   <p:cSld>
     <p:spTree>
@@ -7101,7 +7603,7 @@
 </p:sld>
 </file>
 
-<file path=ppt/slides/slide13.xml><?xml version="1.0" encoding="utf-8"?>
+<file path=ppt/slides/slide14.xml><?xml version="1.0" encoding="utf-8"?>
 <p:sld xmlns:a="http://schemas.openxmlformats.org/drawingml/2006/main" xmlns:r="http://schemas.openxmlformats.org/officeDocument/2006/relationships" xmlns:p="http://schemas.openxmlformats.org/presentationml/2006/main">
   <p:cSld>
     <p:spTree>
@@ -7626,7 +8128,7 @@
 </p:sld>
 </file>
 
-<file path=ppt/slides/slide14.xml><?xml version="1.0" encoding="utf-8"?>
+<file path=ppt/slides/slide15.xml><?xml version="1.0" encoding="utf-8"?>
 <p:sld xmlns:a="http://schemas.openxmlformats.org/drawingml/2006/main" xmlns:r="http://schemas.openxmlformats.org/officeDocument/2006/relationships" xmlns:p="http://schemas.openxmlformats.org/presentationml/2006/main">
   <p:cSld>
     <p:spTree>
@@ -8150,7 +8652,7 @@
 </p:sld>
 </file>
 
-<file path=ppt/slides/slide15.xml><?xml version="1.0" encoding="utf-8"?>
+<file path=ppt/slides/slide16.xml><?xml version="1.0" encoding="utf-8"?>
 <p:sld xmlns:a="http://schemas.openxmlformats.org/drawingml/2006/main" xmlns:r="http://schemas.openxmlformats.org/officeDocument/2006/relationships" xmlns:p="http://schemas.openxmlformats.org/presentationml/2006/main">
   <p:cSld>
     <p:spTree>
@@ -8552,7 +9054,7 @@
 </p:sld>
 </file>
 
-<file path=ppt/slides/slide16.xml><?xml version="1.0" encoding="utf-8"?>
+<file path=ppt/slides/slide17.xml><?xml version="1.0" encoding="utf-8"?>
 <p:sld xmlns:a="http://schemas.openxmlformats.org/drawingml/2006/main" xmlns:r="http://schemas.openxmlformats.org/officeDocument/2006/relationships" xmlns:p="http://schemas.openxmlformats.org/presentationml/2006/main">
   <p:cSld>
     <p:spTree>
@@ -8950,7 +9452,7 @@
 </p:sld>
 </file>
 
-<file path=ppt/slides/slide17.xml><?xml version="1.0" encoding="utf-8"?>
+<file path=ppt/slides/slide18.xml><?xml version="1.0" encoding="utf-8"?>
 <p:sld xmlns:a="http://schemas.openxmlformats.org/drawingml/2006/main" xmlns:r="http://schemas.openxmlformats.org/officeDocument/2006/relationships" xmlns:p="http://schemas.openxmlformats.org/presentationml/2006/main">
   <p:cSld>
     <p:spTree>
@@ -9067,146 +9569,6 @@
     <p:extLst>
       <p:ext uri="{BB962C8B-B14F-4D97-AF65-F5344CB8AC3E}">
         <p14:creationId xmlns:p14="http://schemas.microsoft.com/office/powerpoint/2010/main" val="887895706"/>
-      </p:ext>
-    </p:extLst>
-  </p:cSld>
-  <p:clrMapOvr>
-    <a:masterClrMapping/>
-  </p:clrMapOvr>
-  <p:timing>
-    <p:tnLst>
-      <p:par>
-        <p:cTn id="1" dur="indefinite" restart="never" nodeType="tmRoot"/>
-      </p:par>
-    </p:tnLst>
-  </p:timing>
-</p:sld>
-</file>
-
-<file path=ppt/slides/slide18.xml><?xml version="1.0" encoding="utf-8"?>
-<p:sld xmlns:a="http://schemas.openxmlformats.org/drawingml/2006/main" xmlns:r="http://schemas.openxmlformats.org/officeDocument/2006/relationships" xmlns:p="http://schemas.openxmlformats.org/presentationml/2006/main">
-  <p:cSld>
-    <p:spTree>
-      <p:nvGrpSpPr>
-        <p:cNvPr id="1" name=""/>
-        <p:cNvGrpSpPr/>
-        <p:nvPr/>
-      </p:nvGrpSpPr>
-      <p:grpSpPr>
-        <a:xfrm>
-          <a:off x="0" y="0"/>
-          <a:ext cx="0" cy="0"/>
-          <a:chOff x="0" y="0"/>
-          <a:chExt cx="0" cy="0"/>
-        </a:xfrm>
-      </p:grpSpPr>
-      <p:sp>
-        <p:nvSpPr>
-          <p:cNvPr id="2" name="Title 1"/>
-          <p:cNvSpPr>
-            <a:spLocks noGrp="1"/>
-          </p:cNvSpPr>
-          <p:nvPr>
-            <p:ph type="title"/>
-          </p:nvPr>
-        </p:nvSpPr>
-        <p:spPr/>
-        <p:txBody>
-          <a:bodyPr/>
-          <a:lstStyle/>
-          <a:p>
-            <a:r>
-              <a:rPr lang="en-US" dirty="0" smtClean="0"/>
-              <a:t>Homework</a:t>
-            </a:r>
-            <a:endParaRPr lang="en-US" dirty="0"/>
-          </a:p>
-        </p:txBody>
-      </p:sp>
-      <p:pic>
-        <p:nvPicPr>
-          <p:cNvPr id="5" name="Content Placeholder 4"/>
-          <p:cNvPicPr>
-            <a:picLocks noGrp="1" noChangeAspect="1"/>
-          </p:cNvPicPr>
-          <p:nvPr>
-            <p:ph sz="half" idx="1"/>
-          </p:nvPr>
-        </p:nvPicPr>
-        <p:blipFill>
-          <a:blip r:embed="rId2">
-            <a:extLst>
-              <a:ext uri="{28A0092B-C50C-407E-A947-70E740481C1C}">
-                <a14:useLocalDpi xmlns:a14="http://schemas.microsoft.com/office/drawing/2010/main" val="0"/>
-              </a:ext>
-            </a:extLst>
-          </a:blip>
-          <a:stretch>
-            <a:fillRect/>
-          </a:stretch>
-        </p:blipFill>
-        <p:spPr>
-          <a:xfrm>
-            <a:off x="344597" y="1935269"/>
-            <a:ext cx="5751403" cy="3908182"/>
-          </a:xfrm>
-        </p:spPr>
-      </p:pic>
-      <p:sp>
-        <p:nvSpPr>
-          <p:cNvPr id="4" name="Content Placeholder 3"/>
-          <p:cNvSpPr>
-            <a:spLocks noGrp="1"/>
-          </p:cNvSpPr>
-          <p:nvPr>
-            <p:ph sz="half" idx="2"/>
-          </p:nvPr>
-        </p:nvSpPr>
-        <p:spPr/>
-        <p:txBody>
-          <a:bodyPr/>
-          <a:lstStyle/>
-          <a:p>
-            <a:r>
-              <a:rPr lang="en-US" dirty="0"/>
-              <a:t>Create the </a:t>
-            </a:r>
-          </a:p>
-          <a:p>
-            <a:pPr lvl="1"/>
-            <a:r>
-              <a:rPr lang="en-US" dirty="0"/>
-              <a:t>Velocity-time graph</a:t>
-            </a:r>
-          </a:p>
-          <a:p>
-            <a:pPr lvl="1"/>
-            <a:r>
-              <a:rPr lang="en-US" dirty="0"/>
-              <a:t>Speed time graph</a:t>
-            </a:r>
-            <a:r>
-              <a:rPr lang="en-US" dirty="0" smtClean="0"/>
-              <a:t>!</a:t>
-            </a:r>
-          </a:p>
-          <a:p>
-            <a:pPr lvl="1"/>
-            <a:r>
-              <a:rPr lang="en-US" dirty="0" smtClean="0"/>
-              <a:t>Distance-time graph!</a:t>
-            </a:r>
-            <a:endParaRPr lang="en-US" dirty="0"/>
-          </a:p>
-          <a:p>
-            <a:endParaRPr lang="en-US" dirty="0"/>
-          </a:p>
-        </p:txBody>
-      </p:sp>
-    </p:spTree>
-    <p:extLst>
-      <p:ext uri="{BB962C8B-B14F-4D97-AF65-F5344CB8AC3E}">
-        <p14:creationId xmlns:p14="http://schemas.microsoft.com/office/powerpoint/2010/main" val="457289122"/>
       </p:ext>
     </p:extLst>
   </p:cSld>
@@ -9287,8 +9649,8 @@
         </p:blipFill>
         <p:spPr>
           <a:xfrm>
-            <a:off x="140697" y="2162423"/>
-            <a:ext cx="5911760" cy="3547056"/>
+            <a:off x="344597" y="1935269"/>
+            <a:ext cx="5751403" cy="3908182"/>
           </a:xfrm>
         </p:spPr>
       </p:pic>
@@ -9308,22 +9670,26 @@
           <a:lstStyle/>
           <a:p>
             <a:r>
-              <a:rPr lang="en-US" dirty="0" smtClean="0"/>
-              <a:t>Create the</a:t>
+              <a:rPr lang="en-US" dirty="0"/>
+              <a:t>Create the </a:t>
             </a:r>
           </a:p>
           <a:p>
             <a:pPr lvl="1"/>
             <a:r>
-              <a:rPr lang="en-US" dirty="0" smtClean="0"/>
-              <a:t>Speed-time graph!</a:t>
+              <a:rPr lang="en-US" dirty="0"/>
+              <a:t>Velocity-time graph</a:t>
             </a:r>
           </a:p>
           <a:p>
             <a:pPr lvl="1"/>
             <a:r>
+              <a:rPr lang="en-US" dirty="0"/>
+              <a:t>Speed time graph</a:t>
+            </a:r>
+            <a:r>
               <a:rPr lang="en-US" dirty="0" smtClean="0"/>
-              <a:t>Displacement-time graph!</a:t>
+              <a:t>!</a:t>
             </a:r>
           </a:p>
           <a:p>
@@ -9332,11 +9698,9 @@
               <a:rPr lang="en-US" dirty="0" smtClean="0"/>
               <a:t>Distance-time graph!</a:t>
             </a:r>
-          </a:p>
-          <a:p>
-            <a:pPr marL="457200" lvl="1" indent="0">
-              <a:buNone/>
-            </a:pPr>
+            <a:endParaRPr lang="en-US" dirty="0"/>
+          </a:p>
+          <a:p>
             <a:endParaRPr lang="en-US" dirty="0"/>
           </a:p>
         </p:txBody>
@@ -9344,7 +9708,7 @@
     </p:spTree>
     <p:extLst>
       <p:ext uri="{BB962C8B-B14F-4D97-AF65-F5344CB8AC3E}">
-        <p14:creationId xmlns:p14="http://schemas.microsoft.com/office/powerpoint/2010/main" val="3851579589"/>
+        <p14:creationId xmlns:p14="http://schemas.microsoft.com/office/powerpoint/2010/main" val="457289122"/>
       </p:ext>
     </p:extLst>
   </p:cSld>
@@ -9491,6 +9855,144 @@
       </p:grpSpPr>
       <p:sp>
         <p:nvSpPr>
+          <p:cNvPr id="2" name="Title 1"/>
+          <p:cNvSpPr>
+            <a:spLocks noGrp="1"/>
+          </p:cNvSpPr>
+          <p:nvPr>
+            <p:ph type="title"/>
+          </p:nvPr>
+        </p:nvSpPr>
+        <p:spPr/>
+        <p:txBody>
+          <a:bodyPr/>
+          <a:lstStyle/>
+          <a:p>
+            <a:r>
+              <a:rPr lang="en-US" dirty="0" smtClean="0"/>
+              <a:t>Homework</a:t>
+            </a:r>
+            <a:endParaRPr lang="en-US" dirty="0"/>
+          </a:p>
+        </p:txBody>
+      </p:sp>
+      <p:pic>
+        <p:nvPicPr>
+          <p:cNvPr id="5" name="Content Placeholder 4"/>
+          <p:cNvPicPr>
+            <a:picLocks noGrp="1" noChangeAspect="1"/>
+          </p:cNvPicPr>
+          <p:nvPr>
+            <p:ph sz="half" idx="1"/>
+          </p:nvPr>
+        </p:nvPicPr>
+        <p:blipFill>
+          <a:blip r:embed="rId2">
+            <a:extLst>
+              <a:ext uri="{28A0092B-C50C-407E-A947-70E740481C1C}">
+                <a14:useLocalDpi xmlns:a14="http://schemas.microsoft.com/office/drawing/2010/main" val="0"/>
+              </a:ext>
+            </a:extLst>
+          </a:blip>
+          <a:stretch>
+            <a:fillRect/>
+          </a:stretch>
+        </p:blipFill>
+        <p:spPr>
+          <a:xfrm>
+            <a:off x="140697" y="2162423"/>
+            <a:ext cx="5911760" cy="3547056"/>
+          </a:xfrm>
+        </p:spPr>
+      </p:pic>
+      <p:sp>
+        <p:nvSpPr>
+          <p:cNvPr id="4" name="Content Placeholder 3"/>
+          <p:cNvSpPr>
+            <a:spLocks noGrp="1"/>
+          </p:cNvSpPr>
+          <p:nvPr>
+            <p:ph sz="half" idx="2"/>
+          </p:nvPr>
+        </p:nvSpPr>
+        <p:spPr/>
+        <p:txBody>
+          <a:bodyPr/>
+          <a:lstStyle/>
+          <a:p>
+            <a:r>
+              <a:rPr lang="en-US" dirty="0" smtClean="0"/>
+              <a:t>Create the</a:t>
+            </a:r>
+          </a:p>
+          <a:p>
+            <a:pPr lvl="1"/>
+            <a:r>
+              <a:rPr lang="en-US" dirty="0" smtClean="0"/>
+              <a:t>Speed-time graph!</a:t>
+            </a:r>
+          </a:p>
+          <a:p>
+            <a:pPr lvl="1"/>
+            <a:r>
+              <a:rPr lang="en-US" dirty="0" smtClean="0"/>
+              <a:t>Displacement-time graph!</a:t>
+            </a:r>
+          </a:p>
+          <a:p>
+            <a:pPr lvl="1"/>
+            <a:r>
+              <a:rPr lang="en-US" dirty="0" smtClean="0"/>
+              <a:t>Distance-time graph!</a:t>
+            </a:r>
+          </a:p>
+          <a:p>
+            <a:pPr marL="457200" lvl="1" indent="0">
+              <a:buNone/>
+            </a:pPr>
+            <a:endParaRPr lang="en-US" dirty="0"/>
+          </a:p>
+        </p:txBody>
+      </p:sp>
+    </p:spTree>
+    <p:extLst>
+      <p:ext uri="{BB962C8B-B14F-4D97-AF65-F5344CB8AC3E}">
+        <p14:creationId xmlns:p14="http://schemas.microsoft.com/office/powerpoint/2010/main" val="3851579589"/>
+      </p:ext>
+    </p:extLst>
+  </p:cSld>
+  <p:clrMapOvr>
+    <a:masterClrMapping/>
+  </p:clrMapOvr>
+  <p:timing>
+    <p:tnLst>
+      <p:par>
+        <p:cTn id="1" dur="indefinite" restart="never" nodeType="tmRoot"/>
+      </p:par>
+    </p:tnLst>
+  </p:timing>
+</p:sld>
+</file>
+
+<file path=ppt/slides/slide21.xml><?xml version="1.0" encoding="utf-8"?>
+<p:sld xmlns:a="http://schemas.openxmlformats.org/drawingml/2006/main" xmlns:r="http://schemas.openxmlformats.org/officeDocument/2006/relationships" xmlns:p="http://schemas.openxmlformats.org/presentationml/2006/main">
+  <p:cSld>
+    <p:spTree>
+      <p:nvGrpSpPr>
+        <p:cNvPr id="1" name=""/>
+        <p:cNvGrpSpPr/>
+        <p:nvPr/>
+      </p:nvGrpSpPr>
+      <p:grpSpPr>
+        <a:xfrm>
+          <a:off x="0" y="0"/>
+          <a:ext cx="0" cy="0"/>
+          <a:chOff x="0" y="0"/>
+          <a:chExt cx="0" cy="0"/>
+        </a:xfrm>
+      </p:grpSpPr>
+      <p:sp>
+        <p:nvSpPr>
           <p:cNvPr id="14" name="Title 13"/>
           <p:cNvSpPr>
             <a:spLocks noGrp="1"/>
@@ -9603,7 +10105,7 @@
 </p:sld>
 </file>
 
-<file path=ppt/slides/slide21.xml><?xml version="1.0" encoding="utf-8"?>
+<file path=ppt/slides/slide22.xml><?xml version="1.0" encoding="utf-8"?>
 <p:sld xmlns:a="http://schemas.openxmlformats.org/drawingml/2006/main" xmlns:r="http://schemas.openxmlformats.org/officeDocument/2006/relationships" xmlns:p="http://schemas.openxmlformats.org/presentationml/2006/main">
   <p:cSld>
     <p:spTree>
@@ -10606,7 +11108,11 @@
               <a:lstStyle/>
               <a:p>
                 <a:r>
-                  <a:rPr lang="en-US" dirty="0" smtClean="0"/>
+                  <a:rPr lang="en-US" dirty="0" smtClean="0">
+                    <a:solidFill>
+                      <a:srgbClr val="FF0000"/>
+                    </a:solidFill>
+                  </a:rPr>
                   <a:t>Average speed = </a:t>
                 </a:r>
                 <a14:m>
@@ -10615,6 +11121,9 @@
                       <m:fPr>
                         <m:ctrlPr>
                           <a:rPr lang="en-US" i="1" smtClean="0">
+                            <a:solidFill>
+                              <a:srgbClr val="FF0000"/>
+                            </a:solidFill>
                             <a:latin typeface="Cambria Math" panose="02040503050406030204" pitchFamily="18" charset="0"/>
                           </a:rPr>
                         </m:ctrlPr>
@@ -10622,30 +11131,45 @@
                       <m:num>
                         <m:r>
                           <a:rPr lang="en-US" b="0" i="1" smtClean="0">
+                            <a:solidFill>
+                              <a:srgbClr val="FF0000"/>
+                            </a:solidFill>
                             <a:latin typeface="Cambria Math" panose="02040503050406030204" pitchFamily="18" charset="0"/>
                           </a:rPr>
                           <m:t>𝑡𝑜𝑡𝑎𝑙</m:t>
                         </m:r>
                         <m:r>
                           <a:rPr lang="en-US" b="0" i="1" smtClean="0">
+                            <a:solidFill>
+                              <a:srgbClr val="FF0000"/>
+                            </a:solidFill>
                             <a:latin typeface="Cambria Math" panose="02040503050406030204" pitchFamily="18" charset="0"/>
                           </a:rPr>
                           <m:t> </m:t>
                         </m:r>
                         <m:r>
                           <a:rPr lang="en-US" b="0" i="1" smtClean="0">
+                            <a:solidFill>
+                              <a:srgbClr val="FF0000"/>
+                            </a:solidFill>
                             <a:latin typeface="Cambria Math" panose="02040503050406030204" pitchFamily="18" charset="0"/>
                           </a:rPr>
                           <m:t>𝑑𝑖𝑠𝑡𝑎𝑛𝑐𝑒</m:t>
                         </m:r>
                         <m:r>
                           <a:rPr lang="en-US" b="0" i="1" smtClean="0">
+                            <a:solidFill>
+                              <a:srgbClr val="FF0000"/>
+                            </a:solidFill>
                             <a:latin typeface="Cambria Math" panose="02040503050406030204" pitchFamily="18" charset="0"/>
                           </a:rPr>
                           <m:t> </m:t>
                         </m:r>
                         <m:r>
                           <a:rPr lang="en-US" b="0" i="1" smtClean="0">
+                            <a:solidFill>
+                              <a:srgbClr val="FF0000"/>
+                            </a:solidFill>
                             <a:latin typeface="Cambria Math" panose="02040503050406030204" pitchFamily="18" charset="0"/>
                           </a:rPr>
                           <m:t>𝑐𝑜𝑣𝑒𝑟𝑒𝑑</m:t>
@@ -10654,18 +11178,27 @@
                       <m:den>
                         <m:r>
                           <a:rPr lang="en-US" b="0" i="1" smtClean="0">
+                            <a:solidFill>
+                              <a:srgbClr val="FF0000"/>
+                            </a:solidFill>
                             <a:latin typeface="Cambria Math" panose="02040503050406030204" pitchFamily="18" charset="0"/>
                           </a:rPr>
                           <m:t>𝑡𝑖𝑚𝑒</m:t>
                         </m:r>
                         <m:r>
                           <a:rPr lang="en-US" b="0" i="1" smtClean="0">
+                            <a:solidFill>
+                              <a:srgbClr val="FF0000"/>
+                            </a:solidFill>
                             <a:latin typeface="Cambria Math" panose="02040503050406030204" pitchFamily="18" charset="0"/>
                           </a:rPr>
                           <m:t> </m:t>
                         </m:r>
                         <m:r>
                           <a:rPr lang="en-US" b="0" i="1" smtClean="0">
+                            <a:solidFill>
+                              <a:srgbClr val="FF0000"/>
+                            </a:solidFill>
                             <a:latin typeface="Cambria Math" panose="02040503050406030204" pitchFamily="18" charset="0"/>
                           </a:rPr>
                           <m:t>𝑡𝑎𝑘𝑒𝑛</m:t>
@@ -11781,10 +12314,18 @@
           <a:lstStyle/>
           <a:p>
             <a:r>
-              <a:rPr lang="en-US" dirty="0" smtClean="0"/>
+              <a:rPr lang="en-US" dirty="0" smtClean="0">
+                <a:solidFill>
+                  <a:srgbClr val="FF0000"/>
+                </a:solidFill>
+              </a:rPr>
               <a:t>Speed-time graph</a:t>
             </a:r>
-            <a:endParaRPr lang="en-US" dirty="0"/>
+            <a:endParaRPr lang="en-US" dirty="0">
+              <a:solidFill>
+                <a:srgbClr val="FF0000"/>
+              </a:solidFill>
+            </a:endParaRPr>
           </a:p>
         </p:txBody>
       </p:sp>
@@ -11804,10 +12345,18 @@
           <a:lstStyle/>
           <a:p>
             <a:r>
-              <a:rPr lang="en-US" dirty="0" smtClean="0"/>
+              <a:rPr lang="en-US" dirty="0" smtClean="0">
+                <a:solidFill>
+                  <a:srgbClr val="FF0000"/>
+                </a:solidFill>
+              </a:rPr>
               <a:t>It represents the speed with the respect to the time</a:t>
             </a:r>
-            <a:endParaRPr lang="en-US" dirty="0"/>
+            <a:endParaRPr lang="en-US" dirty="0">
+              <a:solidFill>
+                <a:srgbClr val="FF0000"/>
+              </a:solidFill>
+            </a:endParaRPr>
           </a:p>
         </p:txBody>
       </p:sp>
@@ -12280,10 +12829,18 @@
           <a:lstStyle/>
           <a:p>
             <a:r>
-              <a:rPr lang="en-US" dirty="0" smtClean="0"/>
+              <a:rPr lang="en-US" dirty="0" smtClean="0">
+                <a:solidFill>
+                  <a:srgbClr val="FF0000"/>
+                </a:solidFill>
+              </a:rPr>
               <a:t>Speed-time graph</a:t>
             </a:r>
-            <a:endParaRPr lang="en-US" dirty="0"/>
+            <a:endParaRPr lang="en-US" dirty="0">
+              <a:solidFill>
+                <a:srgbClr val="FF0000"/>
+              </a:solidFill>
+            </a:endParaRPr>
           </a:p>
         </p:txBody>
       </p:sp>
@@ -12305,10 +12862,18 @@
           <a:lstStyle/>
           <a:p>
             <a:r>
-              <a:rPr lang="en-US" dirty="0" smtClean="0"/>
+              <a:rPr lang="en-US" dirty="0" smtClean="0">
+                <a:solidFill>
+                  <a:srgbClr val="FF0000"/>
+                </a:solidFill>
+              </a:rPr>
               <a:t>The area under the speed time graph line represents the distance the objects travel.</a:t>
             </a:r>
-            <a:endParaRPr lang="en-US" dirty="0"/>
+            <a:endParaRPr lang="en-US" dirty="0">
+              <a:solidFill>
+                <a:srgbClr val="FF0000"/>
+              </a:solidFill>
+            </a:endParaRPr>
           </a:p>
         </p:txBody>
       </p:sp>
@@ -12781,10 +13346,18 @@
           <a:lstStyle/>
           <a:p>
             <a:r>
-              <a:rPr lang="en-US" dirty="0" smtClean="0"/>
+              <a:rPr lang="en-US" dirty="0" smtClean="0">
+                <a:solidFill>
+                  <a:srgbClr val="FF0000"/>
+                </a:solidFill>
+              </a:rPr>
               <a:t>Uniform motion</a:t>
             </a:r>
-            <a:endParaRPr lang="en-US" dirty="0"/>
+            <a:endParaRPr lang="en-US" dirty="0">
+              <a:solidFill>
+                <a:srgbClr val="FF0000"/>
+              </a:solidFill>
+            </a:endParaRPr>
           </a:p>
         </p:txBody>
       </p:sp>
@@ -12805,13 +13378,47 @@
           <a:p>
             <a:r>
               <a:rPr lang="en-US" dirty="0" smtClean="0"/>
-              <a:t>The object travels in one direction along a straight line and its speed remains constant.</a:t>
+              <a:t> The object’s </a:t>
             </a:r>
-          </a:p>
-          <a:p>
             <a:r>
               <a:rPr lang="en-US" dirty="0"/>
-              <a:t>An object said to be in uniform motion if it travels equal distances in equal intervals of time</a:t>
+              <a:t>speed </a:t>
+            </a:r>
+            <a:r>
+              <a:rPr lang="en-US" dirty="0" smtClean="0"/>
+              <a:t>is </a:t>
+            </a:r>
+            <a:r>
+              <a:rPr lang="en-US" dirty="0"/>
+              <a:t>constant.</a:t>
+            </a:r>
+          </a:p>
+          <a:p>
+            <a:r>
+              <a:rPr lang="en-US" dirty="0" smtClean="0">
+                <a:solidFill>
+                  <a:srgbClr val="FF0000"/>
+                </a:solidFill>
+              </a:rPr>
+              <a:t>The object travels in one direction along a straight line </a:t>
+            </a:r>
+          </a:p>
+          <a:p>
+            <a:r>
+              <a:rPr lang="en-US" dirty="0" smtClean="0">
+                <a:solidFill>
+                  <a:srgbClr val="FF0000"/>
+                </a:solidFill>
+              </a:rPr>
+              <a:t>It </a:t>
+            </a:r>
+            <a:r>
+              <a:rPr lang="en-US" dirty="0">
+                <a:solidFill>
+                  <a:srgbClr val="FF0000"/>
+                </a:solidFill>
+              </a:rPr>
+              <a:t>travels equal distances in equal intervals of time</a:t>
             </a:r>
           </a:p>
           <a:p>
@@ -12835,7 +13442,7 @@
             <p:ph sz="half" idx="2"/>
           </p:nvPr>
         </p:nvPicPr>
-        <p:blipFill>
+        <p:blipFill rotWithShape="1">
           <a:blip r:embed="rId2" cstate="print">
             <a:extLst>
               <a:ext uri="{28A0092B-C50C-407E-A947-70E740481C1C}">
@@ -12843,14 +13450,13 @@
               </a:ext>
             </a:extLst>
           </a:blip>
-          <a:stretch>
-            <a:fillRect/>
-          </a:stretch>
+          <a:srcRect b="14584"/>
+          <a:stretch/>
         </p:blipFill>
         <p:spPr>
           <a:xfrm>
             <a:off x="6172200" y="2543969"/>
-            <a:ext cx="5181600" cy="2914650"/>
+            <a:ext cx="5181600" cy="2489585"/>
           </a:xfrm>
         </p:spPr>
       </p:pic>
@@ -13128,7 +13734,11 @@
                                           </p:stCondLst>
                                         </p:cTn>
                                         <p:tgtEl>
-                                          <p:spTgt spid="9"/>
+                                          <p:spTgt spid="7">
+                                            <p:txEl>
+                                              <p:pRg st="2" end="2"/>
+                                            </p:txEl>
+                                          </p:spTgt>
                                         </p:tgtEl>
                                         <p:attrNameLst>
                                           <p:attrName>style.visibility</p:attrName>
@@ -13142,7 +13752,11 @@
                                       <p:cBhvr>
                                         <p:cTn id="21" dur="1000"/>
                                         <p:tgtEl>
-                                          <p:spTgt spid="9"/>
+                                          <p:spTgt spid="7">
+                                            <p:txEl>
+                                              <p:pRg st="2" end="2"/>
+                                            </p:txEl>
+                                          </p:spTgt>
                                         </p:tgtEl>
                                       </p:cBhvr>
                                     </p:animEffect>
@@ -13150,7 +13764,11 @@
                                       <p:cBhvr>
                                         <p:cTn id="22" dur="1000" fill="hold"/>
                                         <p:tgtEl>
-                                          <p:spTgt spid="9"/>
+                                          <p:spTgt spid="7">
+                                            <p:txEl>
+                                              <p:pRg st="2" end="2"/>
+                                            </p:txEl>
+                                          </p:spTgt>
                                         </p:tgtEl>
                                         <p:attrNameLst>
                                           <p:attrName>ppt_x</p:attrName>
@@ -13172,6 +13790,109 @@
                                     <p:anim calcmode="lin" valueType="num">
                                       <p:cBhvr>
                                         <p:cTn id="23" dur="1000" fill="hold"/>
+                                        <p:tgtEl>
+                                          <p:spTgt spid="7">
+                                            <p:txEl>
+                                              <p:pRg st="2" end="2"/>
+                                            </p:txEl>
+                                          </p:spTgt>
+                                        </p:tgtEl>
+                                        <p:attrNameLst>
+                                          <p:attrName>ppt_y</p:attrName>
+                                        </p:attrNameLst>
+                                      </p:cBhvr>
+                                      <p:tavLst>
+                                        <p:tav tm="0">
+                                          <p:val>
+                                            <p:strVal val="#ppt_y+.1"/>
+                                          </p:val>
+                                        </p:tav>
+                                        <p:tav tm="100000">
+                                          <p:val>
+                                            <p:strVal val="#ppt_y"/>
+                                          </p:val>
+                                        </p:tav>
+                                      </p:tavLst>
+                                    </p:anim>
+                                  </p:childTnLst>
+                                </p:cTn>
+                              </p:par>
+                            </p:childTnLst>
+                          </p:cTn>
+                        </p:par>
+                      </p:childTnLst>
+                    </p:cTn>
+                  </p:par>
+                  <p:par>
+                    <p:cTn id="24" fill="hold">
+                      <p:stCondLst>
+                        <p:cond delay="indefinite"/>
+                      </p:stCondLst>
+                      <p:childTnLst>
+                        <p:par>
+                          <p:cTn id="25" fill="hold">
+                            <p:stCondLst>
+                              <p:cond delay="0"/>
+                            </p:stCondLst>
+                            <p:childTnLst>
+                              <p:par>
+                                <p:cTn id="26" presetID="42" presetClass="entr" presetSubtype="0" fill="hold" nodeType="clickEffect">
+                                  <p:stCondLst>
+                                    <p:cond delay="0"/>
+                                  </p:stCondLst>
+                                  <p:childTnLst>
+                                    <p:set>
+                                      <p:cBhvr>
+                                        <p:cTn id="27" dur="1" fill="hold">
+                                          <p:stCondLst>
+                                            <p:cond delay="0"/>
+                                          </p:stCondLst>
+                                        </p:cTn>
+                                        <p:tgtEl>
+                                          <p:spTgt spid="9"/>
+                                        </p:tgtEl>
+                                        <p:attrNameLst>
+                                          <p:attrName>style.visibility</p:attrName>
+                                        </p:attrNameLst>
+                                      </p:cBhvr>
+                                      <p:to>
+                                        <p:strVal val="visible"/>
+                                      </p:to>
+                                    </p:set>
+                                    <p:animEffect transition="in" filter="fade">
+                                      <p:cBhvr>
+                                        <p:cTn id="28" dur="1000"/>
+                                        <p:tgtEl>
+                                          <p:spTgt spid="9"/>
+                                        </p:tgtEl>
+                                      </p:cBhvr>
+                                    </p:animEffect>
+                                    <p:anim calcmode="lin" valueType="num">
+                                      <p:cBhvr>
+                                        <p:cTn id="29" dur="1000" fill="hold"/>
+                                        <p:tgtEl>
+                                          <p:spTgt spid="9"/>
+                                        </p:tgtEl>
+                                        <p:attrNameLst>
+                                          <p:attrName>ppt_x</p:attrName>
+                                        </p:attrNameLst>
+                                      </p:cBhvr>
+                                      <p:tavLst>
+                                        <p:tav tm="0">
+                                          <p:val>
+                                            <p:strVal val="#ppt_x"/>
+                                          </p:val>
+                                        </p:tav>
+                                        <p:tav tm="100000">
+                                          <p:val>
+                                            <p:strVal val="#ppt_x"/>
+                                          </p:val>
+                                        </p:tav>
+                                      </p:tavLst>
+                                    </p:anim>
+                                    <p:anim calcmode="lin" valueType="num">
+                                      <p:cBhvr>
+                                        <p:cTn id="30" dur="1000" fill="hold"/>
                                         <p:tgtEl>
                                           <p:spTgt spid="9"/>
                                         </p:tgtEl>
@@ -13260,9 +13981,1320 @@
           <a:p>
             <a:r>
               <a:rPr lang="en-US" dirty="0" smtClean="0"/>
+              <a:t>Uniform motion</a:t>
+            </a:r>
+            <a:endParaRPr lang="en-US" dirty="0"/>
+          </a:p>
+        </p:txBody>
+      </p:sp>
+      <mc:AlternateContent xmlns:mc="http://schemas.openxmlformats.org/markup-compatibility/2006" xmlns:a14="http://schemas.microsoft.com/office/drawing/2010/main">
+        <mc:Choice Requires="a14">
+          <p:sp>
+            <p:nvSpPr>
+              <p:cNvPr id="3" name="Content Placeholder 2"/>
+              <p:cNvSpPr>
+                <a:spLocks noGrp="1"/>
+              </p:cNvSpPr>
+              <p:nvPr>
+                <p:ph sz="half" idx="1"/>
+              </p:nvPr>
+            </p:nvSpPr>
+            <p:spPr/>
+            <p:txBody>
+              <a:bodyPr>
+                <a:normAutofit lnSpcReduction="10000"/>
+              </a:bodyPr>
+              <a:lstStyle/>
+              <a:p>
+                <a:r>
+                  <a:rPr lang="en-US" dirty="0" smtClean="0"/>
+                  <a:t>Time(t) – Distance travelled(s)</a:t>
+                </a:r>
+              </a:p>
+              <a:p>
+                <a:r>
+                  <a:rPr lang="en-US" dirty="0" smtClean="0"/>
+                  <a:t>2 sec	4 m		(</a:t>
+                </a:r>
+                <a14:m>
+                  <m:oMath xmlns:m="http://schemas.openxmlformats.org/officeDocument/2006/math">
+                    <m:f>
+                      <m:fPr>
+                        <m:ctrlPr>
+                          <a:rPr lang="en-US" i="1" smtClean="0">
+                            <a:latin typeface="Cambria Math" panose="02040503050406030204" pitchFamily="18" charset="0"/>
+                          </a:rPr>
+                        </m:ctrlPr>
+                      </m:fPr>
+                      <m:num>
+                        <m:r>
+                          <a:rPr lang="en-US" b="0" i="1" smtClean="0">
+                            <a:latin typeface="Cambria Math" panose="02040503050406030204" pitchFamily="18" charset="0"/>
+                          </a:rPr>
+                          <m:t>4</m:t>
+                        </m:r>
+                      </m:num>
+                      <m:den>
+                        <m:r>
+                          <a:rPr lang="en-US" b="0" i="1" smtClean="0">
+                            <a:latin typeface="Cambria Math" panose="02040503050406030204" pitchFamily="18" charset="0"/>
+                          </a:rPr>
+                          <m:t>2</m:t>
+                        </m:r>
+                      </m:den>
+                    </m:f>
+                  </m:oMath>
+                </a14:m>
+                <a:r>
+                  <a:rPr lang="en-US" dirty="0" smtClean="0"/>
+                  <a:t> =2)</a:t>
+                </a:r>
+              </a:p>
+              <a:p>
+                <a:r>
+                  <a:rPr lang="en-US" dirty="0" smtClean="0"/>
+                  <a:t>4 sec	8 m		</a:t>
+                </a:r>
+                <a:r>
+                  <a:rPr lang="en-US" dirty="0"/>
+                  <a:t>(</a:t>
+                </a:r>
+                <a14:m>
+                  <m:oMath xmlns:m="http://schemas.openxmlformats.org/officeDocument/2006/math">
+                    <m:f>
+                      <m:fPr>
+                        <m:ctrlPr>
+                          <a:rPr lang="en-US" i="1">
+                            <a:latin typeface="Cambria Math" panose="02040503050406030204" pitchFamily="18" charset="0"/>
+                          </a:rPr>
+                        </m:ctrlPr>
+                      </m:fPr>
+                      <m:num>
+                        <m:r>
+                          <a:rPr lang="en-US" b="0" i="1" smtClean="0">
+                            <a:latin typeface="Cambria Math" panose="02040503050406030204" pitchFamily="18" charset="0"/>
+                          </a:rPr>
+                          <m:t>8</m:t>
+                        </m:r>
+                      </m:num>
+                      <m:den>
+                        <m:r>
+                          <a:rPr lang="en-US" b="0" i="1" smtClean="0">
+                            <a:latin typeface="Cambria Math" panose="02040503050406030204" pitchFamily="18" charset="0"/>
+                          </a:rPr>
+                          <m:t>4</m:t>
+                        </m:r>
+                      </m:den>
+                    </m:f>
+                  </m:oMath>
+                </a14:m>
+                <a:r>
+                  <a:rPr lang="en-US" dirty="0"/>
+                  <a:t> =2</a:t>
+                </a:r>
+                <a:r>
+                  <a:rPr lang="en-US" dirty="0" smtClean="0"/>
+                  <a:t>)</a:t>
+                </a:r>
+              </a:p>
+              <a:p>
+                <a:r>
+                  <a:rPr lang="en-US" dirty="0" smtClean="0"/>
+                  <a:t>6 sec	12 m		</a:t>
+                </a:r>
+                <a:r>
+                  <a:rPr lang="en-US" dirty="0"/>
+                  <a:t>(</a:t>
+                </a:r>
+                <a14:m>
+                  <m:oMath xmlns:m="http://schemas.openxmlformats.org/officeDocument/2006/math">
+                    <m:f>
+                      <m:fPr>
+                        <m:ctrlPr>
+                          <a:rPr lang="en-US" i="1">
+                            <a:latin typeface="Cambria Math" panose="02040503050406030204" pitchFamily="18" charset="0"/>
+                          </a:rPr>
+                        </m:ctrlPr>
+                      </m:fPr>
+                      <m:num>
+                        <m:r>
+                          <a:rPr lang="en-US" b="0" i="1" smtClean="0">
+                            <a:latin typeface="Cambria Math" panose="02040503050406030204" pitchFamily="18" charset="0"/>
+                          </a:rPr>
+                          <m:t>12</m:t>
+                        </m:r>
+                      </m:num>
+                      <m:den>
+                        <m:r>
+                          <a:rPr lang="en-US" b="0" i="1" smtClean="0">
+                            <a:latin typeface="Cambria Math" panose="02040503050406030204" pitchFamily="18" charset="0"/>
+                          </a:rPr>
+                          <m:t>6</m:t>
+                        </m:r>
+                      </m:den>
+                    </m:f>
+                  </m:oMath>
+                </a14:m>
+                <a:r>
+                  <a:rPr lang="en-US" dirty="0"/>
+                  <a:t> =2</a:t>
+                </a:r>
+                <a:r>
+                  <a:rPr lang="en-US" dirty="0" smtClean="0"/>
+                  <a:t>)</a:t>
+                </a:r>
+              </a:p>
+              <a:p>
+                <a:r>
+                  <a:rPr lang="en-US" dirty="0" smtClean="0"/>
+                  <a:t>Direct variation – s varies directly with t</a:t>
+                </a:r>
+              </a:p>
+              <a:p>
+                <a14:m>
+                  <m:oMath xmlns:m="http://schemas.openxmlformats.org/officeDocument/2006/math">
+                    <m:f>
+                      <m:fPr>
+                        <m:ctrlPr>
+                          <a:rPr lang="en-US" i="1" smtClean="0">
+                            <a:latin typeface="Cambria Math" panose="02040503050406030204" pitchFamily="18" charset="0"/>
+                          </a:rPr>
+                        </m:ctrlPr>
+                      </m:fPr>
+                      <m:num>
+                        <m:r>
+                          <a:rPr lang="en-US" b="0" i="1" smtClean="0">
+                            <a:latin typeface="Cambria Math" panose="02040503050406030204" pitchFamily="18" charset="0"/>
+                          </a:rPr>
+                          <m:t>𝑠</m:t>
+                        </m:r>
+                      </m:num>
+                      <m:den>
+                        <m:r>
+                          <a:rPr lang="en-US" b="0" i="1" smtClean="0">
+                            <a:latin typeface="Cambria Math" panose="02040503050406030204" pitchFamily="18" charset="0"/>
+                          </a:rPr>
+                          <m:t>𝑡</m:t>
+                        </m:r>
+                      </m:den>
+                    </m:f>
+                  </m:oMath>
+                </a14:m>
+                <a:r>
+                  <a:rPr lang="en-US" dirty="0" smtClean="0"/>
+                  <a:t> = constant</a:t>
+                </a:r>
+              </a:p>
+              <a:p>
+                <a14:m>
+                  <m:oMath xmlns:m="http://schemas.openxmlformats.org/officeDocument/2006/math">
+                    <m:r>
+                      <a:rPr lang="en-US" b="0" i="1" smtClean="0">
+                        <a:latin typeface="Cambria Math" panose="02040503050406030204" pitchFamily="18" charset="0"/>
+                      </a:rPr>
+                      <m:t>𝑣</m:t>
+                    </m:r>
+                    <m:r>
+                      <a:rPr lang="en-US" b="0" i="1" smtClean="0">
+                        <a:latin typeface="Cambria Math" panose="02040503050406030204" pitchFamily="18" charset="0"/>
+                      </a:rPr>
+                      <m:t>=</m:t>
+                    </m:r>
+                    <m:f>
+                      <m:fPr>
+                        <m:ctrlPr>
+                          <a:rPr lang="en-US" i="1">
+                            <a:latin typeface="Cambria Math" panose="02040503050406030204" pitchFamily="18" charset="0"/>
+                          </a:rPr>
+                        </m:ctrlPr>
+                      </m:fPr>
+                      <m:num>
+                        <m:r>
+                          <a:rPr lang="en-US" i="1">
+                            <a:latin typeface="Cambria Math" panose="02040503050406030204" pitchFamily="18" charset="0"/>
+                          </a:rPr>
+                          <m:t>𝑠</m:t>
+                        </m:r>
+                      </m:num>
+                      <m:den>
+                        <m:r>
+                          <a:rPr lang="en-US" i="1">
+                            <a:latin typeface="Cambria Math" panose="02040503050406030204" pitchFamily="18" charset="0"/>
+                          </a:rPr>
+                          <m:t>𝑡</m:t>
+                        </m:r>
+                      </m:den>
+                    </m:f>
+                  </m:oMath>
+                </a14:m>
+                <a:endParaRPr lang="en-US" dirty="0" smtClean="0"/>
+              </a:p>
+              <a:p>
+                <a:endParaRPr lang="en-US" dirty="0"/>
+              </a:p>
+              <a:p>
+                <a:endParaRPr lang="en-US" dirty="0" smtClean="0"/>
+              </a:p>
+              <a:p>
+                <a:endParaRPr lang="en-US" dirty="0"/>
+              </a:p>
+            </p:txBody>
+          </p:sp>
+        </mc:Choice>
+        <mc:Fallback xmlns="">
+          <p:sp>
+            <p:nvSpPr>
+              <p:cNvPr id="3" name="Content Placeholder 2"/>
+              <p:cNvSpPr>
+                <a:spLocks noGrp="1" noRot="1" noChangeAspect="1" noMove="1" noResize="1" noEditPoints="1" noAdjustHandles="1" noChangeArrowheads="1" noChangeShapeType="1" noTextEdit="1"/>
+              </p:cNvSpPr>
+              <p:nvPr>
+                <p:ph sz="half" idx="1"/>
+              </p:nvPr>
+            </p:nvSpPr>
+            <p:spPr>
+              <a:blipFill>
+                <a:blip r:embed="rId2"/>
+                <a:stretch>
+                  <a:fillRect l="-2118" t="-3081"/>
+                </a:stretch>
+              </a:blipFill>
+            </p:spPr>
+            <p:txBody>
+              <a:bodyPr/>
+              <a:lstStyle/>
+              <a:p>
+                <a:r>
+                  <a:rPr lang="en-US">
+                    <a:noFill/>
+                  </a:rPr>
+                  <a:t> </a:t>
+                </a:r>
+              </a:p>
+            </p:txBody>
+          </p:sp>
+        </mc:Fallback>
+      </mc:AlternateContent>
+      <p:pic>
+        <p:nvPicPr>
+          <p:cNvPr id="5" name="Content Placeholder 8"/>
+          <p:cNvPicPr>
+            <a:picLocks noGrp="1" noChangeAspect="1"/>
+          </p:cNvPicPr>
+          <p:nvPr>
+            <p:ph sz="half" idx="2"/>
+          </p:nvPr>
+        </p:nvPicPr>
+        <p:blipFill rotWithShape="1">
+          <a:blip r:embed="rId3" cstate="print">
+            <a:extLst>
+              <a:ext uri="{28A0092B-C50C-407E-A947-70E740481C1C}">
+                <a14:useLocalDpi xmlns:a14="http://schemas.microsoft.com/office/drawing/2010/main" val="0"/>
+              </a:ext>
+            </a:extLst>
+          </a:blip>
+          <a:srcRect b="14584"/>
+          <a:stretch/>
+        </p:blipFill>
+        <p:spPr>
+          <a:xfrm>
+            <a:off x="6172200" y="2756505"/>
+            <a:ext cx="5181600" cy="2489577"/>
+          </a:xfrm>
+        </p:spPr>
+      </p:pic>
+    </p:spTree>
+    <p:extLst>
+      <p:ext uri="{BB962C8B-B14F-4D97-AF65-F5344CB8AC3E}">
+        <p14:creationId xmlns:p14="http://schemas.microsoft.com/office/powerpoint/2010/main" val="2077427851"/>
+      </p:ext>
+    </p:extLst>
+  </p:cSld>
+  <p:clrMapOvr>
+    <a:masterClrMapping/>
+  </p:clrMapOvr>
+  <p:timing>
+    <p:tnLst>
+      <p:par>
+        <p:cTn id="1" dur="indefinite" restart="never" nodeType="tmRoot">
+          <p:childTnLst>
+            <p:seq concurrent="1" nextAc="seek">
+              <p:cTn id="2" dur="indefinite" nodeType="mainSeq">
+                <p:childTnLst>
+                  <p:par>
+                    <p:cTn id="3" fill="hold">
+                      <p:stCondLst>
+                        <p:cond delay="indefinite"/>
+                      </p:stCondLst>
+                      <p:childTnLst>
+                        <p:par>
+                          <p:cTn id="4" fill="hold">
+                            <p:stCondLst>
+                              <p:cond delay="0"/>
+                            </p:stCondLst>
+                            <p:childTnLst>
+                              <p:par>
+                                <p:cTn id="5" presetID="42" presetClass="entr" presetSubtype="0" fill="hold" nodeType="clickEffect">
+                                  <p:stCondLst>
+                                    <p:cond delay="0"/>
+                                  </p:stCondLst>
+                                  <p:childTnLst>
+                                    <p:set>
+                                      <p:cBhvr>
+                                        <p:cTn id="6" dur="1" fill="hold">
+                                          <p:stCondLst>
+                                            <p:cond delay="0"/>
+                                          </p:stCondLst>
+                                        </p:cTn>
+                                        <p:tgtEl>
+                                          <p:spTgt spid="5"/>
+                                        </p:tgtEl>
+                                        <p:attrNameLst>
+                                          <p:attrName>style.visibility</p:attrName>
+                                        </p:attrNameLst>
+                                      </p:cBhvr>
+                                      <p:to>
+                                        <p:strVal val="visible"/>
+                                      </p:to>
+                                    </p:set>
+                                    <p:animEffect transition="in" filter="fade">
+                                      <p:cBhvr>
+                                        <p:cTn id="7" dur="1000"/>
+                                        <p:tgtEl>
+                                          <p:spTgt spid="5"/>
+                                        </p:tgtEl>
+                                      </p:cBhvr>
+                                    </p:animEffect>
+                                    <p:anim calcmode="lin" valueType="num">
+                                      <p:cBhvr>
+                                        <p:cTn id="8" dur="1000" fill="hold"/>
+                                        <p:tgtEl>
+                                          <p:spTgt spid="5"/>
+                                        </p:tgtEl>
+                                        <p:attrNameLst>
+                                          <p:attrName>ppt_x</p:attrName>
+                                        </p:attrNameLst>
+                                      </p:cBhvr>
+                                      <p:tavLst>
+                                        <p:tav tm="0">
+                                          <p:val>
+                                            <p:strVal val="#ppt_x"/>
+                                          </p:val>
+                                        </p:tav>
+                                        <p:tav tm="100000">
+                                          <p:val>
+                                            <p:strVal val="#ppt_x"/>
+                                          </p:val>
+                                        </p:tav>
+                                      </p:tavLst>
+                                    </p:anim>
+                                    <p:anim calcmode="lin" valueType="num">
+                                      <p:cBhvr>
+                                        <p:cTn id="9" dur="1000" fill="hold"/>
+                                        <p:tgtEl>
+                                          <p:spTgt spid="5"/>
+                                        </p:tgtEl>
+                                        <p:attrNameLst>
+                                          <p:attrName>ppt_y</p:attrName>
+                                        </p:attrNameLst>
+                                      </p:cBhvr>
+                                      <p:tavLst>
+                                        <p:tav tm="0">
+                                          <p:val>
+                                            <p:strVal val="#ppt_y+.1"/>
+                                          </p:val>
+                                        </p:tav>
+                                        <p:tav tm="100000">
+                                          <p:val>
+                                            <p:strVal val="#ppt_y"/>
+                                          </p:val>
+                                        </p:tav>
+                                      </p:tavLst>
+                                    </p:anim>
+                                  </p:childTnLst>
+                                </p:cTn>
+                              </p:par>
+                            </p:childTnLst>
+                          </p:cTn>
+                        </p:par>
+                      </p:childTnLst>
+                    </p:cTn>
+                  </p:par>
+                  <p:par>
+                    <p:cTn id="10" fill="hold">
+                      <p:stCondLst>
+                        <p:cond delay="indefinite"/>
+                      </p:stCondLst>
+                      <p:childTnLst>
+                        <p:par>
+                          <p:cTn id="11" fill="hold">
+                            <p:stCondLst>
+                              <p:cond delay="0"/>
+                            </p:stCondLst>
+                            <p:childTnLst>
+                              <p:par>
+                                <p:cTn id="12" presetID="42" presetClass="entr" presetSubtype="0" fill="hold" nodeType="clickEffect">
+                                  <p:stCondLst>
+                                    <p:cond delay="0"/>
+                                  </p:stCondLst>
+                                  <p:childTnLst>
+                                    <p:set>
+                                      <p:cBhvr>
+                                        <p:cTn id="13" dur="1" fill="hold">
+                                          <p:stCondLst>
+                                            <p:cond delay="0"/>
+                                          </p:stCondLst>
+                                        </p:cTn>
+                                        <p:tgtEl>
+                                          <p:spTgt spid="3">
+                                            <p:txEl>
+                                              <p:pRg st="0" end="0"/>
+                                            </p:txEl>
+                                          </p:spTgt>
+                                        </p:tgtEl>
+                                        <p:attrNameLst>
+                                          <p:attrName>style.visibility</p:attrName>
+                                        </p:attrNameLst>
+                                      </p:cBhvr>
+                                      <p:to>
+                                        <p:strVal val="visible"/>
+                                      </p:to>
+                                    </p:set>
+                                    <p:animEffect transition="in" filter="fade">
+                                      <p:cBhvr>
+                                        <p:cTn id="14" dur="1000"/>
+                                        <p:tgtEl>
+                                          <p:spTgt spid="3">
+                                            <p:txEl>
+                                              <p:pRg st="0" end="0"/>
+                                            </p:txEl>
+                                          </p:spTgt>
+                                        </p:tgtEl>
+                                      </p:cBhvr>
+                                    </p:animEffect>
+                                    <p:anim calcmode="lin" valueType="num">
+                                      <p:cBhvr>
+                                        <p:cTn id="15" dur="1000" fill="hold"/>
+                                        <p:tgtEl>
+                                          <p:spTgt spid="3">
+                                            <p:txEl>
+                                              <p:pRg st="0" end="0"/>
+                                            </p:txEl>
+                                          </p:spTgt>
+                                        </p:tgtEl>
+                                        <p:attrNameLst>
+                                          <p:attrName>ppt_x</p:attrName>
+                                        </p:attrNameLst>
+                                      </p:cBhvr>
+                                      <p:tavLst>
+                                        <p:tav tm="0">
+                                          <p:val>
+                                            <p:strVal val="#ppt_x"/>
+                                          </p:val>
+                                        </p:tav>
+                                        <p:tav tm="100000">
+                                          <p:val>
+                                            <p:strVal val="#ppt_x"/>
+                                          </p:val>
+                                        </p:tav>
+                                      </p:tavLst>
+                                    </p:anim>
+                                    <p:anim calcmode="lin" valueType="num">
+                                      <p:cBhvr>
+                                        <p:cTn id="16" dur="1000" fill="hold"/>
+                                        <p:tgtEl>
+                                          <p:spTgt spid="3">
+                                            <p:txEl>
+                                              <p:pRg st="0" end="0"/>
+                                            </p:txEl>
+                                          </p:spTgt>
+                                        </p:tgtEl>
+                                        <p:attrNameLst>
+                                          <p:attrName>ppt_y</p:attrName>
+                                        </p:attrNameLst>
+                                      </p:cBhvr>
+                                      <p:tavLst>
+                                        <p:tav tm="0">
+                                          <p:val>
+                                            <p:strVal val="#ppt_y+.1"/>
+                                          </p:val>
+                                        </p:tav>
+                                        <p:tav tm="100000">
+                                          <p:val>
+                                            <p:strVal val="#ppt_y"/>
+                                          </p:val>
+                                        </p:tav>
+                                      </p:tavLst>
+                                    </p:anim>
+                                  </p:childTnLst>
+                                </p:cTn>
+                              </p:par>
+                            </p:childTnLst>
+                          </p:cTn>
+                        </p:par>
+                      </p:childTnLst>
+                    </p:cTn>
+                  </p:par>
+                  <p:par>
+                    <p:cTn id="17" fill="hold">
+                      <p:stCondLst>
+                        <p:cond delay="indefinite"/>
+                      </p:stCondLst>
+                      <p:childTnLst>
+                        <p:par>
+                          <p:cTn id="18" fill="hold">
+                            <p:stCondLst>
+                              <p:cond delay="0"/>
+                            </p:stCondLst>
+                            <p:childTnLst>
+                              <p:par>
+                                <p:cTn id="19" presetID="42" presetClass="entr" presetSubtype="0" fill="hold" nodeType="clickEffect">
+                                  <p:stCondLst>
+                                    <p:cond delay="0"/>
+                                  </p:stCondLst>
+                                  <p:childTnLst>
+                                    <p:set>
+                                      <p:cBhvr>
+                                        <p:cTn id="20" dur="1" fill="hold">
+                                          <p:stCondLst>
+                                            <p:cond delay="0"/>
+                                          </p:stCondLst>
+                                        </p:cTn>
+                                        <p:tgtEl>
+                                          <p:spTgt spid="3">
+                                            <p:txEl>
+                                              <p:pRg st="1" end="1"/>
+                                            </p:txEl>
+                                          </p:spTgt>
+                                        </p:tgtEl>
+                                        <p:attrNameLst>
+                                          <p:attrName>style.visibility</p:attrName>
+                                        </p:attrNameLst>
+                                      </p:cBhvr>
+                                      <p:to>
+                                        <p:strVal val="visible"/>
+                                      </p:to>
+                                    </p:set>
+                                    <p:animEffect transition="in" filter="fade">
+                                      <p:cBhvr>
+                                        <p:cTn id="21" dur="1000"/>
+                                        <p:tgtEl>
+                                          <p:spTgt spid="3">
+                                            <p:txEl>
+                                              <p:pRg st="1" end="1"/>
+                                            </p:txEl>
+                                          </p:spTgt>
+                                        </p:tgtEl>
+                                      </p:cBhvr>
+                                    </p:animEffect>
+                                    <p:anim calcmode="lin" valueType="num">
+                                      <p:cBhvr>
+                                        <p:cTn id="22" dur="1000" fill="hold"/>
+                                        <p:tgtEl>
+                                          <p:spTgt spid="3">
+                                            <p:txEl>
+                                              <p:pRg st="1" end="1"/>
+                                            </p:txEl>
+                                          </p:spTgt>
+                                        </p:tgtEl>
+                                        <p:attrNameLst>
+                                          <p:attrName>ppt_x</p:attrName>
+                                        </p:attrNameLst>
+                                      </p:cBhvr>
+                                      <p:tavLst>
+                                        <p:tav tm="0">
+                                          <p:val>
+                                            <p:strVal val="#ppt_x"/>
+                                          </p:val>
+                                        </p:tav>
+                                        <p:tav tm="100000">
+                                          <p:val>
+                                            <p:strVal val="#ppt_x"/>
+                                          </p:val>
+                                        </p:tav>
+                                      </p:tavLst>
+                                    </p:anim>
+                                    <p:anim calcmode="lin" valueType="num">
+                                      <p:cBhvr>
+                                        <p:cTn id="23" dur="1000" fill="hold"/>
+                                        <p:tgtEl>
+                                          <p:spTgt spid="3">
+                                            <p:txEl>
+                                              <p:pRg st="1" end="1"/>
+                                            </p:txEl>
+                                          </p:spTgt>
+                                        </p:tgtEl>
+                                        <p:attrNameLst>
+                                          <p:attrName>ppt_y</p:attrName>
+                                        </p:attrNameLst>
+                                      </p:cBhvr>
+                                      <p:tavLst>
+                                        <p:tav tm="0">
+                                          <p:val>
+                                            <p:strVal val="#ppt_y+.1"/>
+                                          </p:val>
+                                        </p:tav>
+                                        <p:tav tm="100000">
+                                          <p:val>
+                                            <p:strVal val="#ppt_y"/>
+                                          </p:val>
+                                        </p:tav>
+                                      </p:tavLst>
+                                    </p:anim>
+                                  </p:childTnLst>
+                                </p:cTn>
+                              </p:par>
+                            </p:childTnLst>
+                          </p:cTn>
+                        </p:par>
+                      </p:childTnLst>
+                    </p:cTn>
+                  </p:par>
+                  <p:par>
+                    <p:cTn id="24" fill="hold">
+                      <p:stCondLst>
+                        <p:cond delay="indefinite"/>
+                      </p:stCondLst>
+                      <p:childTnLst>
+                        <p:par>
+                          <p:cTn id="25" fill="hold">
+                            <p:stCondLst>
+                              <p:cond delay="0"/>
+                            </p:stCondLst>
+                            <p:childTnLst>
+                              <p:par>
+                                <p:cTn id="26" presetID="42" presetClass="entr" presetSubtype="0" fill="hold" nodeType="clickEffect">
+                                  <p:stCondLst>
+                                    <p:cond delay="0"/>
+                                  </p:stCondLst>
+                                  <p:childTnLst>
+                                    <p:set>
+                                      <p:cBhvr>
+                                        <p:cTn id="27" dur="1" fill="hold">
+                                          <p:stCondLst>
+                                            <p:cond delay="0"/>
+                                          </p:stCondLst>
+                                        </p:cTn>
+                                        <p:tgtEl>
+                                          <p:spTgt spid="3">
+                                            <p:txEl>
+                                              <p:pRg st="2" end="2"/>
+                                            </p:txEl>
+                                          </p:spTgt>
+                                        </p:tgtEl>
+                                        <p:attrNameLst>
+                                          <p:attrName>style.visibility</p:attrName>
+                                        </p:attrNameLst>
+                                      </p:cBhvr>
+                                      <p:to>
+                                        <p:strVal val="visible"/>
+                                      </p:to>
+                                    </p:set>
+                                    <p:animEffect transition="in" filter="fade">
+                                      <p:cBhvr>
+                                        <p:cTn id="28" dur="1000"/>
+                                        <p:tgtEl>
+                                          <p:spTgt spid="3">
+                                            <p:txEl>
+                                              <p:pRg st="2" end="2"/>
+                                            </p:txEl>
+                                          </p:spTgt>
+                                        </p:tgtEl>
+                                      </p:cBhvr>
+                                    </p:animEffect>
+                                    <p:anim calcmode="lin" valueType="num">
+                                      <p:cBhvr>
+                                        <p:cTn id="29" dur="1000" fill="hold"/>
+                                        <p:tgtEl>
+                                          <p:spTgt spid="3">
+                                            <p:txEl>
+                                              <p:pRg st="2" end="2"/>
+                                            </p:txEl>
+                                          </p:spTgt>
+                                        </p:tgtEl>
+                                        <p:attrNameLst>
+                                          <p:attrName>ppt_x</p:attrName>
+                                        </p:attrNameLst>
+                                      </p:cBhvr>
+                                      <p:tavLst>
+                                        <p:tav tm="0">
+                                          <p:val>
+                                            <p:strVal val="#ppt_x"/>
+                                          </p:val>
+                                        </p:tav>
+                                        <p:tav tm="100000">
+                                          <p:val>
+                                            <p:strVal val="#ppt_x"/>
+                                          </p:val>
+                                        </p:tav>
+                                      </p:tavLst>
+                                    </p:anim>
+                                    <p:anim calcmode="lin" valueType="num">
+                                      <p:cBhvr>
+                                        <p:cTn id="30" dur="1000" fill="hold"/>
+                                        <p:tgtEl>
+                                          <p:spTgt spid="3">
+                                            <p:txEl>
+                                              <p:pRg st="2" end="2"/>
+                                            </p:txEl>
+                                          </p:spTgt>
+                                        </p:tgtEl>
+                                        <p:attrNameLst>
+                                          <p:attrName>ppt_y</p:attrName>
+                                        </p:attrNameLst>
+                                      </p:cBhvr>
+                                      <p:tavLst>
+                                        <p:tav tm="0">
+                                          <p:val>
+                                            <p:strVal val="#ppt_y+.1"/>
+                                          </p:val>
+                                        </p:tav>
+                                        <p:tav tm="100000">
+                                          <p:val>
+                                            <p:strVal val="#ppt_y"/>
+                                          </p:val>
+                                        </p:tav>
+                                      </p:tavLst>
+                                    </p:anim>
+                                  </p:childTnLst>
+                                </p:cTn>
+                              </p:par>
+                            </p:childTnLst>
+                          </p:cTn>
+                        </p:par>
+                      </p:childTnLst>
+                    </p:cTn>
+                  </p:par>
+                  <p:par>
+                    <p:cTn id="31" fill="hold">
+                      <p:stCondLst>
+                        <p:cond delay="indefinite"/>
+                      </p:stCondLst>
+                      <p:childTnLst>
+                        <p:par>
+                          <p:cTn id="32" fill="hold">
+                            <p:stCondLst>
+                              <p:cond delay="0"/>
+                            </p:stCondLst>
+                            <p:childTnLst>
+                              <p:par>
+                                <p:cTn id="33" presetID="42" presetClass="entr" presetSubtype="0" fill="hold" nodeType="clickEffect">
+                                  <p:stCondLst>
+                                    <p:cond delay="0"/>
+                                  </p:stCondLst>
+                                  <p:childTnLst>
+                                    <p:set>
+                                      <p:cBhvr>
+                                        <p:cTn id="34" dur="1" fill="hold">
+                                          <p:stCondLst>
+                                            <p:cond delay="0"/>
+                                          </p:stCondLst>
+                                        </p:cTn>
+                                        <p:tgtEl>
+                                          <p:spTgt spid="3">
+                                            <p:txEl>
+                                              <p:pRg st="3" end="3"/>
+                                            </p:txEl>
+                                          </p:spTgt>
+                                        </p:tgtEl>
+                                        <p:attrNameLst>
+                                          <p:attrName>style.visibility</p:attrName>
+                                        </p:attrNameLst>
+                                      </p:cBhvr>
+                                      <p:to>
+                                        <p:strVal val="visible"/>
+                                      </p:to>
+                                    </p:set>
+                                    <p:animEffect transition="in" filter="fade">
+                                      <p:cBhvr>
+                                        <p:cTn id="35" dur="1000"/>
+                                        <p:tgtEl>
+                                          <p:spTgt spid="3">
+                                            <p:txEl>
+                                              <p:pRg st="3" end="3"/>
+                                            </p:txEl>
+                                          </p:spTgt>
+                                        </p:tgtEl>
+                                      </p:cBhvr>
+                                    </p:animEffect>
+                                    <p:anim calcmode="lin" valueType="num">
+                                      <p:cBhvr>
+                                        <p:cTn id="36" dur="1000" fill="hold"/>
+                                        <p:tgtEl>
+                                          <p:spTgt spid="3">
+                                            <p:txEl>
+                                              <p:pRg st="3" end="3"/>
+                                            </p:txEl>
+                                          </p:spTgt>
+                                        </p:tgtEl>
+                                        <p:attrNameLst>
+                                          <p:attrName>ppt_x</p:attrName>
+                                        </p:attrNameLst>
+                                      </p:cBhvr>
+                                      <p:tavLst>
+                                        <p:tav tm="0">
+                                          <p:val>
+                                            <p:strVal val="#ppt_x"/>
+                                          </p:val>
+                                        </p:tav>
+                                        <p:tav tm="100000">
+                                          <p:val>
+                                            <p:strVal val="#ppt_x"/>
+                                          </p:val>
+                                        </p:tav>
+                                      </p:tavLst>
+                                    </p:anim>
+                                    <p:anim calcmode="lin" valueType="num">
+                                      <p:cBhvr>
+                                        <p:cTn id="37" dur="1000" fill="hold"/>
+                                        <p:tgtEl>
+                                          <p:spTgt spid="3">
+                                            <p:txEl>
+                                              <p:pRg st="3" end="3"/>
+                                            </p:txEl>
+                                          </p:spTgt>
+                                        </p:tgtEl>
+                                        <p:attrNameLst>
+                                          <p:attrName>ppt_y</p:attrName>
+                                        </p:attrNameLst>
+                                      </p:cBhvr>
+                                      <p:tavLst>
+                                        <p:tav tm="0">
+                                          <p:val>
+                                            <p:strVal val="#ppt_y+.1"/>
+                                          </p:val>
+                                        </p:tav>
+                                        <p:tav tm="100000">
+                                          <p:val>
+                                            <p:strVal val="#ppt_y"/>
+                                          </p:val>
+                                        </p:tav>
+                                      </p:tavLst>
+                                    </p:anim>
+                                  </p:childTnLst>
+                                </p:cTn>
+                              </p:par>
+                            </p:childTnLst>
+                          </p:cTn>
+                        </p:par>
+                      </p:childTnLst>
+                    </p:cTn>
+                  </p:par>
+                  <p:par>
+                    <p:cTn id="38" fill="hold">
+                      <p:stCondLst>
+                        <p:cond delay="indefinite"/>
+                      </p:stCondLst>
+                      <p:childTnLst>
+                        <p:par>
+                          <p:cTn id="39" fill="hold">
+                            <p:stCondLst>
+                              <p:cond delay="0"/>
+                            </p:stCondLst>
+                            <p:childTnLst>
+                              <p:par>
+                                <p:cTn id="40" presetID="42" presetClass="entr" presetSubtype="0" fill="hold" nodeType="clickEffect">
+                                  <p:stCondLst>
+                                    <p:cond delay="0"/>
+                                  </p:stCondLst>
+                                  <p:childTnLst>
+                                    <p:set>
+                                      <p:cBhvr>
+                                        <p:cTn id="41" dur="1" fill="hold">
+                                          <p:stCondLst>
+                                            <p:cond delay="0"/>
+                                          </p:stCondLst>
+                                        </p:cTn>
+                                        <p:tgtEl>
+                                          <p:spTgt spid="3">
+                                            <p:txEl>
+                                              <p:pRg st="4" end="4"/>
+                                            </p:txEl>
+                                          </p:spTgt>
+                                        </p:tgtEl>
+                                        <p:attrNameLst>
+                                          <p:attrName>style.visibility</p:attrName>
+                                        </p:attrNameLst>
+                                      </p:cBhvr>
+                                      <p:to>
+                                        <p:strVal val="visible"/>
+                                      </p:to>
+                                    </p:set>
+                                    <p:animEffect transition="in" filter="fade">
+                                      <p:cBhvr>
+                                        <p:cTn id="42" dur="1000"/>
+                                        <p:tgtEl>
+                                          <p:spTgt spid="3">
+                                            <p:txEl>
+                                              <p:pRg st="4" end="4"/>
+                                            </p:txEl>
+                                          </p:spTgt>
+                                        </p:tgtEl>
+                                      </p:cBhvr>
+                                    </p:animEffect>
+                                    <p:anim calcmode="lin" valueType="num">
+                                      <p:cBhvr>
+                                        <p:cTn id="43" dur="1000" fill="hold"/>
+                                        <p:tgtEl>
+                                          <p:spTgt spid="3">
+                                            <p:txEl>
+                                              <p:pRg st="4" end="4"/>
+                                            </p:txEl>
+                                          </p:spTgt>
+                                        </p:tgtEl>
+                                        <p:attrNameLst>
+                                          <p:attrName>ppt_x</p:attrName>
+                                        </p:attrNameLst>
+                                      </p:cBhvr>
+                                      <p:tavLst>
+                                        <p:tav tm="0">
+                                          <p:val>
+                                            <p:strVal val="#ppt_x"/>
+                                          </p:val>
+                                        </p:tav>
+                                        <p:tav tm="100000">
+                                          <p:val>
+                                            <p:strVal val="#ppt_x"/>
+                                          </p:val>
+                                        </p:tav>
+                                      </p:tavLst>
+                                    </p:anim>
+                                    <p:anim calcmode="lin" valueType="num">
+                                      <p:cBhvr>
+                                        <p:cTn id="44" dur="1000" fill="hold"/>
+                                        <p:tgtEl>
+                                          <p:spTgt spid="3">
+                                            <p:txEl>
+                                              <p:pRg st="4" end="4"/>
+                                            </p:txEl>
+                                          </p:spTgt>
+                                        </p:tgtEl>
+                                        <p:attrNameLst>
+                                          <p:attrName>ppt_y</p:attrName>
+                                        </p:attrNameLst>
+                                      </p:cBhvr>
+                                      <p:tavLst>
+                                        <p:tav tm="0">
+                                          <p:val>
+                                            <p:strVal val="#ppt_y+.1"/>
+                                          </p:val>
+                                        </p:tav>
+                                        <p:tav tm="100000">
+                                          <p:val>
+                                            <p:strVal val="#ppt_y"/>
+                                          </p:val>
+                                        </p:tav>
+                                      </p:tavLst>
+                                    </p:anim>
+                                  </p:childTnLst>
+                                </p:cTn>
+                              </p:par>
+                            </p:childTnLst>
+                          </p:cTn>
+                        </p:par>
+                      </p:childTnLst>
+                    </p:cTn>
+                  </p:par>
+                  <p:par>
+                    <p:cTn id="45" fill="hold">
+                      <p:stCondLst>
+                        <p:cond delay="indefinite"/>
+                      </p:stCondLst>
+                      <p:childTnLst>
+                        <p:par>
+                          <p:cTn id="46" fill="hold">
+                            <p:stCondLst>
+                              <p:cond delay="0"/>
+                            </p:stCondLst>
+                            <p:childTnLst>
+                              <p:par>
+                                <p:cTn id="47" presetID="42" presetClass="entr" presetSubtype="0" fill="hold" nodeType="clickEffect">
+                                  <p:stCondLst>
+                                    <p:cond delay="0"/>
+                                  </p:stCondLst>
+                                  <p:childTnLst>
+                                    <p:set>
+                                      <p:cBhvr>
+                                        <p:cTn id="48" dur="1" fill="hold">
+                                          <p:stCondLst>
+                                            <p:cond delay="0"/>
+                                          </p:stCondLst>
+                                        </p:cTn>
+                                        <p:tgtEl>
+                                          <p:spTgt spid="3">
+                                            <p:txEl>
+                                              <p:pRg st="5" end="5"/>
+                                            </p:txEl>
+                                          </p:spTgt>
+                                        </p:tgtEl>
+                                        <p:attrNameLst>
+                                          <p:attrName>style.visibility</p:attrName>
+                                        </p:attrNameLst>
+                                      </p:cBhvr>
+                                      <p:to>
+                                        <p:strVal val="visible"/>
+                                      </p:to>
+                                    </p:set>
+                                    <p:animEffect transition="in" filter="fade">
+                                      <p:cBhvr>
+                                        <p:cTn id="49" dur="1000"/>
+                                        <p:tgtEl>
+                                          <p:spTgt spid="3">
+                                            <p:txEl>
+                                              <p:pRg st="5" end="5"/>
+                                            </p:txEl>
+                                          </p:spTgt>
+                                        </p:tgtEl>
+                                      </p:cBhvr>
+                                    </p:animEffect>
+                                    <p:anim calcmode="lin" valueType="num">
+                                      <p:cBhvr>
+                                        <p:cTn id="50" dur="1000" fill="hold"/>
+                                        <p:tgtEl>
+                                          <p:spTgt spid="3">
+                                            <p:txEl>
+                                              <p:pRg st="5" end="5"/>
+                                            </p:txEl>
+                                          </p:spTgt>
+                                        </p:tgtEl>
+                                        <p:attrNameLst>
+                                          <p:attrName>ppt_x</p:attrName>
+                                        </p:attrNameLst>
+                                      </p:cBhvr>
+                                      <p:tavLst>
+                                        <p:tav tm="0">
+                                          <p:val>
+                                            <p:strVal val="#ppt_x"/>
+                                          </p:val>
+                                        </p:tav>
+                                        <p:tav tm="100000">
+                                          <p:val>
+                                            <p:strVal val="#ppt_x"/>
+                                          </p:val>
+                                        </p:tav>
+                                      </p:tavLst>
+                                    </p:anim>
+                                    <p:anim calcmode="lin" valueType="num">
+                                      <p:cBhvr>
+                                        <p:cTn id="51" dur="1000" fill="hold"/>
+                                        <p:tgtEl>
+                                          <p:spTgt spid="3">
+                                            <p:txEl>
+                                              <p:pRg st="5" end="5"/>
+                                            </p:txEl>
+                                          </p:spTgt>
+                                        </p:tgtEl>
+                                        <p:attrNameLst>
+                                          <p:attrName>ppt_y</p:attrName>
+                                        </p:attrNameLst>
+                                      </p:cBhvr>
+                                      <p:tavLst>
+                                        <p:tav tm="0">
+                                          <p:val>
+                                            <p:strVal val="#ppt_y+.1"/>
+                                          </p:val>
+                                        </p:tav>
+                                        <p:tav tm="100000">
+                                          <p:val>
+                                            <p:strVal val="#ppt_y"/>
+                                          </p:val>
+                                        </p:tav>
+                                      </p:tavLst>
+                                    </p:anim>
+                                  </p:childTnLst>
+                                </p:cTn>
+                              </p:par>
+                            </p:childTnLst>
+                          </p:cTn>
+                        </p:par>
+                      </p:childTnLst>
+                    </p:cTn>
+                  </p:par>
+                  <p:par>
+                    <p:cTn id="52" fill="hold">
+                      <p:stCondLst>
+                        <p:cond delay="indefinite"/>
+                      </p:stCondLst>
+                      <p:childTnLst>
+                        <p:par>
+                          <p:cTn id="53" fill="hold">
+                            <p:stCondLst>
+                              <p:cond delay="0"/>
+                            </p:stCondLst>
+                            <p:childTnLst>
+                              <p:par>
+                                <p:cTn id="54" presetID="42" presetClass="entr" presetSubtype="0" fill="hold" nodeType="clickEffect">
+                                  <p:stCondLst>
+                                    <p:cond delay="0"/>
+                                  </p:stCondLst>
+                                  <p:childTnLst>
+                                    <p:set>
+                                      <p:cBhvr>
+                                        <p:cTn id="55" dur="1" fill="hold">
+                                          <p:stCondLst>
+                                            <p:cond delay="0"/>
+                                          </p:stCondLst>
+                                        </p:cTn>
+                                        <p:tgtEl>
+                                          <p:spTgt spid="3">
+                                            <p:txEl>
+                                              <p:pRg st="6" end="6"/>
+                                            </p:txEl>
+                                          </p:spTgt>
+                                        </p:tgtEl>
+                                        <p:attrNameLst>
+                                          <p:attrName>style.visibility</p:attrName>
+                                        </p:attrNameLst>
+                                      </p:cBhvr>
+                                      <p:to>
+                                        <p:strVal val="visible"/>
+                                      </p:to>
+                                    </p:set>
+                                    <p:animEffect transition="in" filter="fade">
+                                      <p:cBhvr>
+                                        <p:cTn id="56" dur="1000"/>
+                                        <p:tgtEl>
+                                          <p:spTgt spid="3">
+                                            <p:txEl>
+                                              <p:pRg st="6" end="6"/>
+                                            </p:txEl>
+                                          </p:spTgt>
+                                        </p:tgtEl>
+                                      </p:cBhvr>
+                                    </p:animEffect>
+                                    <p:anim calcmode="lin" valueType="num">
+                                      <p:cBhvr>
+                                        <p:cTn id="57" dur="1000" fill="hold"/>
+                                        <p:tgtEl>
+                                          <p:spTgt spid="3">
+                                            <p:txEl>
+                                              <p:pRg st="6" end="6"/>
+                                            </p:txEl>
+                                          </p:spTgt>
+                                        </p:tgtEl>
+                                        <p:attrNameLst>
+                                          <p:attrName>ppt_x</p:attrName>
+                                        </p:attrNameLst>
+                                      </p:cBhvr>
+                                      <p:tavLst>
+                                        <p:tav tm="0">
+                                          <p:val>
+                                            <p:strVal val="#ppt_x"/>
+                                          </p:val>
+                                        </p:tav>
+                                        <p:tav tm="100000">
+                                          <p:val>
+                                            <p:strVal val="#ppt_x"/>
+                                          </p:val>
+                                        </p:tav>
+                                      </p:tavLst>
+                                    </p:anim>
+                                    <p:anim calcmode="lin" valueType="num">
+                                      <p:cBhvr>
+                                        <p:cTn id="58" dur="1000" fill="hold"/>
+                                        <p:tgtEl>
+                                          <p:spTgt spid="3">
+                                            <p:txEl>
+                                              <p:pRg st="6" end="6"/>
+                                            </p:txEl>
+                                          </p:spTgt>
+                                        </p:tgtEl>
+                                        <p:attrNameLst>
+                                          <p:attrName>ppt_y</p:attrName>
+                                        </p:attrNameLst>
+                                      </p:cBhvr>
+                                      <p:tavLst>
+                                        <p:tav tm="0">
+                                          <p:val>
+                                            <p:strVal val="#ppt_y+.1"/>
+                                          </p:val>
+                                        </p:tav>
+                                        <p:tav tm="100000">
+                                          <p:val>
+                                            <p:strVal val="#ppt_y"/>
+                                          </p:val>
+                                        </p:tav>
+                                      </p:tavLst>
+                                    </p:anim>
+                                  </p:childTnLst>
+                                </p:cTn>
+                              </p:par>
+                            </p:childTnLst>
+                          </p:cTn>
+                        </p:par>
+                      </p:childTnLst>
+                    </p:cTn>
+                  </p:par>
+                </p:childTnLst>
+              </p:cTn>
+              <p:prevCondLst>
+                <p:cond evt="onPrev" delay="0">
+                  <p:tgtEl>
+                    <p:sldTgt/>
+                  </p:tgtEl>
+                </p:cond>
+              </p:prevCondLst>
+              <p:nextCondLst>
+                <p:cond evt="onNext" delay="0">
+                  <p:tgtEl>
+                    <p:sldTgt/>
+                  </p:tgtEl>
+                </p:cond>
+              </p:nextCondLst>
+            </p:seq>
+          </p:childTnLst>
+        </p:cTn>
+      </p:par>
+    </p:tnLst>
+  </p:timing>
+</p:sld>
+</file>
+
+<file path=ppt/slides/slide9.xml><?xml version="1.0" encoding="utf-8"?>
+<p:sld xmlns:a="http://schemas.openxmlformats.org/drawingml/2006/main" xmlns:r="http://schemas.openxmlformats.org/officeDocument/2006/relationships" xmlns:p="http://schemas.openxmlformats.org/presentationml/2006/main">
+  <p:cSld>
+    <p:spTree>
+      <p:nvGrpSpPr>
+        <p:cNvPr id="1" name=""/>
+        <p:cNvGrpSpPr/>
+        <p:nvPr/>
+      </p:nvGrpSpPr>
+      <p:grpSpPr>
+        <a:xfrm>
+          <a:off x="0" y="0"/>
+          <a:ext cx="0" cy="0"/>
+          <a:chOff x="0" y="0"/>
+          <a:chExt cx="0" cy="0"/>
+        </a:xfrm>
+      </p:grpSpPr>
+      <p:sp>
+        <p:nvSpPr>
+          <p:cNvPr id="2" name="Title 1"/>
+          <p:cNvSpPr>
+            <a:spLocks noGrp="1"/>
+          </p:cNvSpPr>
+          <p:nvPr>
+            <p:ph type="title"/>
+          </p:nvPr>
+        </p:nvSpPr>
+        <p:spPr/>
+        <p:txBody>
+          <a:bodyPr/>
+          <a:lstStyle/>
+          <a:p>
+            <a:r>
+              <a:rPr lang="en-US" dirty="0" smtClean="0">
+                <a:solidFill>
+                  <a:srgbClr val="FF0000"/>
+                </a:solidFill>
+              </a:rPr>
               <a:t>Distance-time graph</a:t>
             </a:r>
-            <a:endParaRPr lang="en-US" dirty="0"/>
+            <a:endParaRPr lang="en-US" dirty="0">
+              <a:solidFill>
+                <a:srgbClr val="FF0000"/>
+              </a:solidFill>
+            </a:endParaRPr>
           </a:p>
         </p:txBody>
       </p:sp>
@@ -13282,7 +15314,11 @@
           <a:lstStyle/>
           <a:p>
             <a:r>
-              <a:rPr lang="en-US" dirty="0" smtClean="0"/>
+              <a:rPr lang="en-US" dirty="0" smtClean="0">
+                <a:solidFill>
+                  <a:srgbClr val="FF0000"/>
+                </a:solidFill>
+              </a:rPr>
               <a:t>It represents the distance travelled with the respect to the time</a:t>
             </a:r>
           </a:p>
@@ -13570,503 +15606,6 @@
         </p:cTn>
       </p:par>
     </p:tnLst>
-  </p:timing>
-</p:sld>
-</file>
-
-<file path=ppt/slides/slide9.xml><?xml version="1.0" encoding="utf-8"?>
-<p:sld xmlns:a="http://schemas.openxmlformats.org/drawingml/2006/main" xmlns:r="http://schemas.openxmlformats.org/officeDocument/2006/relationships" xmlns:p="http://schemas.openxmlformats.org/presentationml/2006/main">
-  <p:cSld>
-    <p:spTree>
-      <p:nvGrpSpPr>
-        <p:cNvPr id="1" name=""/>
-        <p:cNvGrpSpPr/>
-        <p:nvPr/>
-      </p:nvGrpSpPr>
-      <p:grpSpPr>
-        <a:xfrm>
-          <a:off x="0" y="0"/>
-          <a:ext cx="0" cy="0"/>
-          <a:chOff x="0" y="0"/>
-          <a:chExt cx="0" cy="0"/>
-        </a:xfrm>
-      </p:grpSpPr>
-      <p:sp>
-        <p:nvSpPr>
-          <p:cNvPr id="5" name="Title 4"/>
-          <p:cNvSpPr>
-            <a:spLocks noGrp="1"/>
-          </p:cNvSpPr>
-          <p:nvPr>
-            <p:ph type="title"/>
-          </p:nvPr>
-        </p:nvSpPr>
-        <p:spPr/>
-        <p:txBody>
-          <a:bodyPr/>
-          <a:lstStyle/>
-          <a:p>
-            <a:r>
-              <a:rPr lang="en-US" dirty="0"/>
-              <a:t>Distance-time graph</a:t>
-            </a:r>
-          </a:p>
-        </p:txBody>
-      </p:sp>
-      <p:sp>
-        <p:nvSpPr>
-          <p:cNvPr id="6" name="Text Placeholder 5"/>
-          <p:cNvSpPr>
-            <a:spLocks noGrp="1"/>
-          </p:cNvSpPr>
-          <p:nvPr>
-            <p:ph type="body" idx="1"/>
-          </p:nvPr>
-        </p:nvSpPr>
-        <p:spPr/>
-        <p:txBody>
-          <a:bodyPr/>
-          <a:lstStyle/>
-          <a:p>
-            <a:r>
-              <a:rPr lang="en-US" dirty="0"/>
-              <a:t>The slope of the graph is equal to the speed of the object.</a:t>
-            </a:r>
-          </a:p>
-        </p:txBody>
-      </p:sp>
-      <p:pic>
-        <p:nvPicPr>
-          <p:cNvPr id="10" name="Content Placeholder 9"/>
-          <p:cNvPicPr>
-            <a:picLocks noGrp="1" noChangeAspect="1"/>
-          </p:cNvPicPr>
-          <p:nvPr>
-            <p:ph sz="half" idx="2"/>
-          </p:nvPr>
-        </p:nvPicPr>
-        <p:blipFill>
-          <a:blip r:embed="rId2">
-            <a:extLst>
-              <a:ext uri="{28A0092B-C50C-407E-A947-70E740481C1C}">
-                <a14:useLocalDpi xmlns:a14="http://schemas.microsoft.com/office/drawing/2010/main" val="0"/>
-              </a:ext>
-            </a:extLst>
-          </a:blip>
-          <a:stretch>
-            <a:fillRect/>
-          </a:stretch>
-        </p:blipFill>
-        <p:spPr>
-          <a:xfrm>
-            <a:off x="2175086" y="3166075"/>
-            <a:ext cx="3135804" cy="2936146"/>
-          </a:xfrm>
-        </p:spPr>
-      </p:pic>
-      <p:sp>
-        <p:nvSpPr>
-          <p:cNvPr id="8" name="Text Placeholder 7"/>
-          <p:cNvSpPr>
-            <a:spLocks noGrp="1"/>
-          </p:cNvSpPr>
-          <p:nvPr>
-            <p:ph type="body" sz="quarter" idx="3"/>
-          </p:nvPr>
-        </p:nvSpPr>
-        <p:spPr/>
-        <p:txBody>
-          <a:bodyPr/>
-          <a:lstStyle/>
-          <a:p>
-            <a:endParaRPr lang="en-US"/>
-          </a:p>
-        </p:txBody>
-      </p:sp>
-      <p:pic>
-        <p:nvPicPr>
-          <p:cNvPr id="11" name="Content Placeholder 10"/>
-          <p:cNvPicPr>
-            <a:picLocks noGrp="1" noChangeAspect="1"/>
-          </p:cNvPicPr>
-          <p:nvPr>
-            <p:ph sz="quarter" idx="4"/>
-          </p:nvPr>
-        </p:nvPicPr>
-        <p:blipFill>
-          <a:blip r:embed="rId3" cstate="print">
-            <a:extLst>
-              <a:ext uri="{28A0092B-C50C-407E-A947-70E740481C1C}">
-                <a14:useLocalDpi xmlns:a14="http://schemas.microsoft.com/office/drawing/2010/main" val="0"/>
-              </a:ext>
-            </a:extLst>
-          </a:blip>
-          <a:stretch>
-            <a:fillRect/>
-          </a:stretch>
-        </p:blipFill>
-        <p:spPr>
-          <a:xfrm>
-            <a:off x="7071891" y="2505075"/>
-            <a:ext cx="3383805" cy="3684588"/>
-          </a:xfrm>
-        </p:spPr>
-      </p:pic>
-    </p:spTree>
-    <p:extLst>
-      <p:ext uri="{BB962C8B-B14F-4D97-AF65-F5344CB8AC3E}">
-        <p14:creationId xmlns:p14="http://schemas.microsoft.com/office/powerpoint/2010/main" val="1620596645"/>
-      </p:ext>
-    </p:extLst>
-  </p:cSld>
-  <p:clrMapOvr>
-    <a:masterClrMapping/>
-  </p:clrMapOvr>
-  <p:timing>
-    <p:tnLst>
-      <p:par>
-        <p:cTn id="1" dur="indefinite" restart="never" nodeType="tmRoot">
-          <p:childTnLst>
-            <p:seq concurrent="1" nextAc="seek">
-              <p:cTn id="2" dur="indefinite" nodeType="mainSeq">
-                <p:childTnLst>
-                  <p:par>
-                    <p:cTn id="3" fill="hold">
-                      <p:stCondLst>
-                        <p:cond delay="indefinite"/>
-                      </p:stCondLst>
-                      <p:childTnLst>
-                        <p:par>
-                          <p:cTn id="4" fill="hold">
-                            <p:stCondLst>
-                              <p:cond delay="0"/>
-                            </p:stCondLst>
-                            <p:childTnLst>
-                              <p:par>
-                                <p:cTn id="5" presetID="42" presetClass="entr" presetSubtype="0" fill="hold" nodeType="clickEffect">
-                                  <p:stCondLst>
-                                    <p:cond delay="0"/>
-                                  </p:stCondLst>
-                                  <p:childTnLst>
-                                    <p:set>
-                                      <p:cBhvr>
-                                        <p:cTn id="6" dur="1" fill="hold">
-                                          <p:stCondLst>
-                                            <p:cond delay="0"/>
-                                          </p:stCondLst>
-                                        </p:cTn>
-                                        <p:tgtEl>
-                                          <p:spTgt spid="10"/>
-                                        </p:tgtEl>
-                                        <p:attrNameLst>
-                                          <p:attrName>style.visibility</p:attrName>
-                                        </p:attrNameLst>
-                                      </p:cBhvr>
-                                      <p:to>
-                                        <p:strVal val="visible"/>
-                                      </p:to>
-                                    </p:set>
-                                    <p:animEffect transition="in" filter="fade">
-                                      <p:cBhvr>
-                                        <p:cTn id="7" dur="1000"/>
-                                        <p:tgtEl>
-                                          <p:spTgt spid="10"/>
-                                        </p:tgtEl>
-                                      </p:cBhvr>
-                                    </p:animEffect>
-                                    <p:anim calcmode="lin" valueType="num">
-                                      <p:cBhvr>
-                                        <p:cTn id="8" dur="1000" fill="hold"/>
-                                        <p:tgtEl>
-                                          <p:spTgt spid="10"/>
-                                        </p:tgtEl>
-                                        <p:attrNameLst>
-                                          <p:attrName>ppt_x</p:attrName>
-                                        </p:attrNameLst>
-                                      </p:cBhvr>
-                                      <p:tavLst>
-                                        <p:tav tm="0">
-                                          <p:val>
-                                            <p:strVal val="#ppt_x"/>
-                                          </p:val>
-                                        </p:tav>
-                                        <p:tav tm="100000">
-                                          <p:val>
-                                            <p:strVal val="#ppt_x"/>
-                                          </p:val>
-                                        </p:tav>
-                                      </p:tavLst>
-                                    </p:anim>
-                                    <p:anim calcmode="lin" valueType="num">
-                                      <p:cBhvr>
-                                        <p:cTn id="9" dur="1000" fill="hold"/>
-                                        <p:tgtEl>
-                                          <p:spTgt spid="10"/>
-                                        </p:tgtEl>
-                                        <p:attrNameLst>
-                                          <p:attrName>ppt_y</p:attrName>
-                                        </p:attrNameLst>
-                                      </p:cBhvr>
-                                      <p:tavLst>
-                                        <p:tav tm="0">
-                                          <p:val>
-                                            <p:strVal val="#ppt_y+.1"/>
-                                          </p:val>
-                                        </p:tav>
-                                        <p:tav tm="100000">
-                                          <p:val>
-                                            <p:strVal val="#ppt_y"/>
-                                          </p:val>
-                                        </p:tav>
-                                      </p:tavLst>
-                                    </p:anim>
-                                  </p:childTnLst>
-                                </p:cTn>
-                              </p:par>
-                            </p:childTnLst>
-                          </p:cTn>
-                        </p:par>
-                      </p:childTnLst>
-                    </p:cTn>
-                  </p:par>
-                  <p:par>
-                    <p:cTn id="10" fill="hold">
-                      <p:stCondLst>
-                        <p:cond delay="indefinite"/>
-                      </p:stCondLst>
-                      <p:childTnLst>
-                        <p:par>
-                          <p:cTn id="11" fill="hold">
-                            <p:stCondLst>
-                              <p:cond delay="0"/>
-                            </p:stCondLst>
-                            <p:childTnLst>
-                              <p:par>
-                                <p:cTn id="12" presetID="42" presetClass="entr" presetSubtype="0" fill="hold" grpId="0" nodeType="clickEffect">
-                                  <p:stCondLst>
-                                    <p:cond delay="0"/>
-                                  </p:stCondLst>
-                                  <p:childTnLst>
-                                    <p:set>
-                                      <p:cBhvr>
-                                        <p:cTn id="13" dur="1" fill="hold">
-                                          <p:stCondLst>
-                                            <p:cond delay="0"/>
-                                          </p:stCondLst>
-                                        </p:cTn>
-                                        <p:tgtEl>
-                                          <p:spTgt spid="6">
-                                            <p:txEl>
-                                              <p:pRg st="0" end="0"/>
-                                            </p:txEl>
-                                          </p:spTgt>
-                                        </p:tgtEl>
-                                        <p:attrNameLst>
-                                          <p:attrName>style.visibility</p:attrName>
-                                        </p:attrNameLst>
-                                      </p:cBhvr>
-                                      <p:to>
-                                        <p:strVal val="visible"/>
-                                      </p:to>
-                                    </p:set>
-                                    <p:animEffect transition="in" filter="fade">
-                                      <p:cBhvr>
-                                        <p:cTn id="14" dur="1000"/>
-                                        <p:tgtEl>
-                                          <p:spTgt spid="6">
-                                            <p:txEl>
-                                              <p:pRg st="0" end="0"/>
-                                            </p:txEl>
-                                          </p:spTgt>
-                                        </p:tgtEl>
-                                      </p:cBhvr>
-                                    </p:animEffect>
-                                    <p:anim calcmode="lin" valueType="num">
-                                      <p:cBhvr>
-                                        <p:cTn id="15" dur="1000" fill="hold"/>
-                                        <p:tgtEl>
-                                          <p:spTgt spid="6">
-                                            <p:txEl>
-                                              <p:pRg st="0" end="0"/>
-                                            </p:txEl>
-                                          </p:spTgt>
-                                        </p:tgtEl>
-                                        <p:attrNameLst>
-                                          <p:attrName>ppt_x</p:attrName>
-                                        </p:attrNameLst>
-                                      </p:cBhvr>
-                                      <p:tavLst>
-                                        <p:tav tm="0">
-                                          <p:val>
-                                            <p:strVal val="#ppt_x"/>
-                                          </p:val>
-                                        </p:tav>
-                                        <p:tav tm="100000">
-                                          <p:val>
-                                            <p:strVal val="#ppt_x"/>
-                                          </p:val>
-                                        </p:tav>
-                                      </p:tavLst>
-                                    </p:anim>
-                                    <p:anim calcmode="lin" valueType="num">
-                                      <p:cBhvr>
-                                        <p:cTn id="16" dur="1000" fill="hold"/>
-                                        <p:tgtEl>
-                                          <p:spTgt spid="6">
-                                            <p:txEl>
-                                              <p:pRg st="0" end="0"/>
-                                            </p:txEl>
-                                          </p:spTgt>
-                                        </p:tgtEl>
-                                        <p:attrNameLst>
-                                          <p:attrName>ppt_y</p:attrName>
-                                        </p:attrNameLst>
-                                      </p:cBhvr>
-                                      <p:tavLst>
-                                        <p:tav tm="0">
-                                          <p:val>
-                                            <p:strVal val="#ppt_y+.1"/>
-                                          </p:val>
-                                        </p:tav>
-                                        <p:tav tm="100000">
-                                          <p:val>
-                                            <p:strVal val="#ppt_y"/>
-                                          </p:val>
-                                        </p:tav>
-                                      </p:tavLst>
-                                    </p:anim>
-                                  </p:childTnLst>
-                                </p:cTn>
-                              </p:par>
-                            </p:childTnLst>
-                          </p:cTn>
-                        </p:par>
-                      </p:childTnLst>
-                    </p:cTn>
-                  </p:par>
-                  <p:par>
-                    <p:cTn id="17" fill="hold">
-                      <p:stCondLst>
-                        <p:cond delay="indefinite"/>
-                      </p:stCondLst>
-                      <p:childTnLst>
-                        <p:par>
-                          <p:cTn id="18" fill="hold">
-                            <p:stCondLst>
-                              <p:cond delay="0"/>
-                            </p:stCondLst>
-                            <p:childTnLst>
-                              <p:par>
-                                <p:cTn id="19" presetID="42" presetClass="entr" presetSubtype="0" fill="hold" nodeType="clickEffect">
-                                  <p:stCondLst>
-                                    <p:cond delay="0"/>
-                                  </p:stCondLst>
-                                  <p:childTnLst>
-                                    <p:set>
-                                      <p:cBhvr>
-                                        <p:cTn id="20" dur="1" fill="hold">
-                                          <p:stCondLst>
-                                            <p:cond delay="0"/>
-                                          </p:stCondLst>
-                                        </p:cTn>
-                                        <p:tgtEl>
-                                          <p:spTgt spid="11"/>
-                                        </p:tgtEl>
-                                        <p:attrNameLst>
-                                          <p:attrName>style.visibility</p:attrName>
-                                        </p:attrNameLst>
-                                      </p:cBhvr>
-                                      <p:to>
-                                        <p:strVal val="visible"/>
-                                      </p:to>
-                                    </p:set>
-                                    <p:animEffect transition="in" filter="fade">
-                                      <p:cBhvr>
-                                        <p:cTn id="21" dur="1000"/>
-                                        <p:tgtEl>
-                                          <p:spTgt spid="11"/>
-                                        </p:tgtEl>
-                                      </p:cBhvr>
-                                    </p:animEffect>
-                                    <p:anim calcmode="lin" valueType="num">
-                                      <p:cBhvr>
-                                        <p:cTn id="22" dur="1000" fill="hold"/>
-                                        <p:tgtEl>
-                                          <p:spTgt spid="11"/>
-                                        </p:tgtEl>
-                                        <p:attrNameLst>
-                                          <p:attrName>ppt_x</p:attrName>
-                                        </p:attrNameLst>
-                                      </p:cBhvr>
-                                      <p:tavLst>
-                                        <p:tav tm="0">
-                                          <p:val>
-                                            <p:strVal val="#ppt_x"/>
-                                          </p:val>
-                                        </p:tav>
-                                        <p:tav tm="100000">
-                                          <p:val>
-                                            <p:strVal val="#ppt_x"/>
-                                          </p:val>
-                                        </p:tav>
-                                      </p:tavLst>
-                                    </p:anim>
-                                    <p:anim calcmode="lin" valueType="num">
-                                      <p:cBhvr>
-                                        <p:cTn id="23" dur="1000" fill="hold"/>
-                                        <p:tgtEl>
-                                          <p:spTgt spid="11"/>
-                                        </p:tgtEl>
-                                        <p:attrNameLst>
-                                          <p:attrName>ppt_y</p:attrName>
-                                        </p:attrNameLst>
-                                      </p:cBhvr>
-                                      <p:tavLst>
-                                        <p:tav tm="0">
-                                          <p:val>
-                                            <p:strVal val="#ppt_y+.1"/>
-                                          </p:val>
-                                        </p:tav>
-                                        <p:tav tm="100000">
-                                          <p:val>
-                                            <p:strVal val="#ppt_y"/>
-                                          </p:val>
-                                        </p:tav>
-                                      </p:tavLst>
-                                    </p:anim>
-                                  </p:childTnLst>
-                                </p:cTn>
-                              </p:par>
-                            </p:childTnLst>
-                          </p:cTn>
-                        </p:par>
-                      </p:childTnLst>
-                    </p:cTn>
-                  </p:par>
-                </p:childTnLst>
-              </p:cTn>
-              <p:prevCondLst>
-                <p:cond evt="onPrev" delay="0">
-                  <p:tgtEl>
-                    <p:sldTgt/>
-                  </p:tgtEl>
-                </p:cond>
-              </p:prevCondLst>
-              <p:nextCondLst>
-                <p:cond evt="onNext" delay="0">
-                  <p:tgtEl>
-                    <p:sldTgt/>
-                  </p:tgtEl>
-                </p:cond>
-              </p:nextCondLst>
-            </p:seq>
-          </p:childTnLst>
-        </p:cTn>
-      </p:par>
-    </p:tnLst>
-    <p:bldLst>
-      <p:bldP spid="6" grpId="0" build="p"/>
-    </p:bldLst>
   </p:timing>
 </p:sld>
 </file>
